--- a/FREETOBREATHE.pptx
+++ b/FREETOBREATHE.pptx
@@ -316,6 +316,11 @@
       </a:defRPr>
     </a:lvl9pPr>
   </p:defaultTextStyle>
+  <p:extLst>
+    <p:ext uri="{EFAFB233-063F-42B5-8137-9DF3F51BA10A}">
+      <p15:sldGuideLst xmlns:p15="http://schemas.microsoft.com/office/powerpoint/2012/main"/>
+    </p:ext>
+  </p:extLst>
 </p:presentation>
 </file>
 
@@ -2124,7 +2129,7 @@
           </a:ln>
           <a:extLst>
             <a:ext uri="{C572A759-6A51-4108-AA02-DFA0A04FC94B}">
-              <ma14:wrappingTextBoxFlag xmlns:ma14="http://schemas.microsoft.com/office/mac/drawingml/2011/main" xmlns="" val="1"/>
+              <ma14:wrappingTextBoxFlag xmlns="" xmlns:ma14="http://schemas.microsoft.com/office/mac/drawingml/2011/main" val="1"/>
             </a:ext>
           </a:extLst>
         </p:spPr>
@@ -2163,7 +2168,7 @@
           </a:ln>
           <a:extLst>
             <a:ext uri="{C572A759-6A51-4108-AA02-DFA0A04FC94B}">
-              <ma14:wrappingTextBoxFlag xmlns:ma14="http://schemas.microsoft.com/office/mac/drawingml/2011/main" xmlns="" val="1"/>
+              <ma14:wrappingTextBoxFlag xmlns="" xmlns:ma14="http://schemas.microsoft.com/office/mac/drawingml/2011/main" val="1"/>
             </a:ext>
           </a:extLst>
         </p:spPr>
@@ -3153,7 +3158,7 @@
           </a:ln>
           <a:extLst>
             <a:ext uri="{C572A759-6A51-4108-AA02-DFA0A04FC94B}">
-              <ma14:wrappingTextBoxFlag xmlns:ma14="http://schemas.microsoft.com/office/mac/drawingml/2011/main" xmlns="" val="1"/>
+              <ma14:wrappingTextBoxFlag xmlns="" xmlns:ma14="http://schemas.microsoft.com/office/mac/drawingml/2011/main" val="1"/>
             </a:ext>
           </a:extLst>
         </p:spPr>
@@ -3383,7 +3388,7 @@
           </a:ln>
           <a:extLst>
             <a:ext uri="{C572A759-6A51-4108-AA02-DFA0A04FC94B}">
-              <ma14:wrappingTextBoxFlag xmlns:ma14="http://schemas.microsoft.com/office/mac/drawingml/2011/main" xmlns="" val="1"/>
+              <ma14:wrappingTextBoxFlag xmlns="" xmlns:ma14="http://schemas.microsoft.com/office/mac/drawingml/2011/main" val="1"/>
             </a:ext>
           </a:extLst>
         </p:spPr>
@@ -3680,7 +3685,7 @@
           </a:ln>
           <a:extLst>
             <a:ext uri="{C572A759-6A51-4108-AA02-DFA0A04FC94B}">
-              <ma14:wrappingTextBoxFlag xmlns:ma14="http://schemas.microsoft.com/office/mac/drawingml/2011/main" xmlns="" val="1"/>
+              <ma14:wrappingTextBoxFlag xmlns="" xmlns:ma14="http://schemas.microsoft.com/office/mac/drawingml/2011/main" val="1"/>
             </a:ext>
           </a:extLst>
         </p:spPr>
@@ -3982,7 +3987,7 @@
           </a:ln>
           <a:extLst>
             <a:ext uri="{C572A759-6A51-4108-AA02-DFA0A04FC94B}">
-              <ma14:wrappingTextBoxFlag xmlns:ma14="http://schemas.microsoft.com/office/mac/drawingml/2011/main" xmlns="" val="1"/>
+              <ma14:wrappingTextBoxFlag xmlns="" xmlns:ma14="http://schemas.microsoft.com/office/mac/drawingml/2011/main" val="1"/>
             </a:ext>
           </a:extLst>
         </p:spPr>
@@ -4161,7 +4166,7 @@
         </p:nvCxnSpPr>
         <p:spPr>
           <a:xfrm flipV="1">
-            <a:off x="4225636" y="3962400"/>
+            <a:off x="4322618" y="3900963"/>
             <a:ext cx="2994594" cy="41564"/>
           </a:xfrm>
           <a:prstGeom prst="straightConnector1">
@@ -4187,6 +4192,399 @@
           </a:fontRef>
         </p:style>
       </p:cxnSp>
+      <p:sp>
+        <p:nvSpPr>
+          <p:cNvPr id="3" name="Rettangolo 2"/>
+          <p:cNvSpPr/>
+          <p:nvPr/>
+        </p:nvSpPr>
+        <p:spPr>
+          <a:xfrm>
+            <a:off x="8382000" y="5454651"/>
+            <a:ext cx="346364" cy="544367"/>
+          </a:xfrm>
+          <a:prstGeom prst="rect">
+            <a:avLst/>
+          </a:prstGeom>
+          <a:solidFill>
+            <a:schemeClr val="bg1"/>
+          </a:solidFill>
+          <a:ln w="12700" cap="flat">
+            <a:noFill/>
+            <a:miter lim="400000"/>
+          </a:ln>
+          <a:effectLst>
+            <a:outerShdw blurRad="38100" dist="25400" dir="5400000" rotWithShape="0">
+              <a:schemeClr val="bg1">
+                <a:alpha val="50000"/>
+              </a:schemeClr>
+            </a:outerShdw>
+          </a:effectLst>
+          <a:sp3d/>
+        </p:spPr>
+        <p:style>
+          <a:lnRef idx="0">
+            <a:scrgbClr r="0" g="0" b="0"/>
+          </a:lnRef>
+          <a:fillRef idx="0">
+            <a:scrgbClr r="0" g="0" b="0"/>
+          </a:fillRef>
+          <a:effectRef idx="0">
+            <a:scrgbClr r="0" g="0" b="0"/>
+          </a:effectRef>
+          <a:fontRef idx="none"/>
+        </p:style>
+        <p:txBody>
+          <a:bodyPr rot="0" spcFirstLastPara="1" vertOverflow="overflow" horzOverflow="overflow" vert="horz" wrap="square" lIns="50800" tIns="50800" rIns="50800" bIns="50800" numCol="1" spcCol="38100" rtlCol="0" anchor="ctr">
+            <a:spAutoFit/>
+          </a:bodyPr>
+          <a:lstStyle/>
+          <a:p>
+            <a:pPr marL="0" marR="0" indent="0" algn="ctr" defTabSz="584200" rtl="0" fontAlgn="auto" latinLnBrk="0" hangingPunct="0">
+              <a:lnSpc>
+                <a:spcPct val="100000"/>
+              </a:lnSpc>
+              <a:spcBef>
+                <a:spcPts val="0"/>
+              </a:spcBef>
+              <a:spcAft>
+                <a:spcPts val="0"/>
+              </a:spcAft>
+              <a:buClrTx/>
+              <a:buSzTx/>
+              <a:buFontTx/>
+              <a:buNone/>
+              <a:tabLst/>
+            </a:pPr>
+            <a:endParaRPr kumimoji="0" lang="en-GB" sz="2400" b="0" i="0" u="none" strike="noStrike" cap="none" spc="0" normalizeH="0" baseline="0">
+              <a:ln>
+                <a:noFill/>
+              </a:ln>
+              <a:solidFill>
+                <a:srgbClr val="FFFFFF"/>
+              </a:solidFill>
+              <a:effectLst/>
+              <a:uFillTx/>
+              <a:latin typeface="+mn-lt"/>
+              <a:ea typeface="+mn-ea"/>
+              <a:cs typeface="+mn-cs"/>
+              <a:sym typeface="Helvetica Light"/>
+            </a:endParaRPr>
+          </a:p>
+        </p:txBody>
+      </p:sp>
+      <p:sp>
+        <p:nvSpPr>
+          <p:cNvPr id="4" name="Rettangolo 3"/>
+          <p:cNvSpPr/>
+          <p:nvPr/>
+        </p:nvSpPr>
+        <p:spPr>
+          <a:xfrm>
+            <a:off x="5526157" y="3315620"/>
+            <a:ext cx="639413" cy="471924"/>
+          </a:xfrm>
+          <a:prstGeom prst="rect">
+            <a:avLst/>
+          </a:prstGeom>
+          <a:blipFill rotWithShape="1">
+            <a:blip r:embed="rId5"/>
+            <a:srcRect/>
+            <a:tile tx="0" ty="0" sx="100000" sy="100000" flip="none" algn="tl"/>
+          </a:blipFill>
+          <a:ln w="12700" cap="flat">
+            <a:noFill/>
+            <a:miter lim="400000"/>
+          </a:ln>
+          <a:effectLst>
+            <a:outerShdw blurRad="38100" dist="25400" dir="5400000" rotWithShape="0">
+              <a:srgbClr val="000000">
+                <a:alpha val="50000"/>
+              </a:srgbClr>
+            </a:outerShdw>
+          </a:effectLst>
+          <a:sp3d/>
+        </p:spPr>
+        <p:style>
+          <a:lnRef idx="0">
+            <a:scrgbClr r="0" g="0" b="0"/>
+          </a:lnRef>
+          <a:fillRef idx="0">
+            <a:scrgbClr r="0" g="0" b="0"/>
+          </a:fillRef>
+          <a:effectRef idx="0">
+            <a:scrgbClr r="0" g="0" b="0"/>
+          </a:effectRef>
+          <a:fontRef idx="none"/>
+        </p:style>
+        <p:txBody>
+          <a:bodyPr rot="0" spcFirstLastPara="1" vertOverflow="overflow" horzOverflow="overflow" vert="horz" wrap="square" lIns="50800" tIns="50800" rIns="50800" bIns="50800" numCol="1" spcCol="38100" rtlCol="0" anchor="ctr">
+            <a:spAutoFit/>
+          </a:bodyPr>
+          <a:lstStyle/>
+          <a:p>
+            <a:pPr marL="0" marR="0" indent="0" algn="ctr" defTabSz="584200" rtl="0" fontAlgn="auto" latinLnBrk="0" hangingPunct="0">
+              <a:lnSpc>
+                <a:spcPct val="100000"/>
+              </a:lnSpc>
+              <a:spcBef>
+                <a:spcPts val="0"/>
+              </a:spcBef>
+              <a:spcAft>
+                <a:spcPts val="0"/>
+              </a:spcAft>
+              <a:buClrTx/>
+              <a:buSzTx/>
+              <a:buFontTx/>
+              <a:buNone/>
+              <a:tabLst/>
+            </a:pPr>
+            <a:r>
+              <a:rPr kumimoji="0" lang="it-IT" sz="2400" b="0" i="0" u="none" strike="noStrike" cap="none" spc="0" normalizeH="0" baseline="0" dirty="0" smtClean="0">
+                <a:ln>
+                  <a:noFill/>
+                </a:ln>
+                <a:solidFill>
+                  <a:srgbClr val="FFFFFF"/>
+                </a:solidFill>
+                <a:effectLst/>
+                <a:uFillTx/>
+                <a:latin typeface="+mn-lt"/>
+                <a:ea typeface="+mn-ea"/>
+                <a:cs typeface="+mn-cs"/>
+                <a:sym typeface="Helvetica Light"/>
+              </a:rPr>
+              <a:t>W</a:t>
+            </a:r>
+            <a:endParaRPr kumimoji="0" lang="en-GB" sz="2400" b="0" i="0" u="none" strike="noStrike" cap="none" spc="0" normalizeH="0" baseline="0" dirty="0">
+              <a:ln>
+                <a:noFill/>
+              </a:ln>
+              <a:solidFill>
+                <a:srgbClr val="FFFFFF"/>
+              </a:solidFill>
+              <a:effectLst/>
+              <a:uFillTx/>
+              <a:latin typeface="+mn-lt"/>
+              <a:ea typeface="+mn-ea"/>
+              <a:cs typeface="+mn-cs"/>
+              <a:sym typeface="Helvetica Light"/>
+            </a:endParaRPr>
+          </a:p>
+        </p:txBody>
+      </p:sp>
+      <p:sp>
+        <p:nvSpPr>
+          <p:cNvPr id="5" name="CasellaDiTesto 4"/>
+          <p:cNvSpPr txBox="1"/>
+          <p:nvPr/>
+        </p:nvSpPr>
+        <p:spPr>
+          <a:xfrm>
+            <a:off x="6966230" y="6748995"/>
+            <a:ext cx="5596831" cy="1210588"/>
+          </a:xfrm>
+          <a:prstGeom prst="rect">
+            <a:avLst/>
+          </a:prstGeom>
+          <a:noFill/>
+          <a:ln w="12700" cap="flat">
+            <a:noFill/>
+            <a:miter lim="400000"/>
+          </a:ln>
+          <a:effectLst/>
+          <a:sp3d/>
+        </p:spPr>
+        <p:style>
+          <a:lnRef idx="0">
+            <a:scrgbClr r="0" g="0" b="0"/>
+          </a:lnRef>
+          <a:fillRef idx="0">
+            <a:scrgbClr r="0" g="0" b="0"/>
+          </a:fillRef>
+          <a:effectRef idx="0">
+            <a:scrgbClr r="0" g="0" b="0"/>
+          </a:effectRef>
+          <a:fontRef idx="none"/>
+        </p:style>
+        <p:txBody>
+          <a:bodyPr rot="0" spcFirstLastPara="1" vertOverflow="overflow" horzOverflow="overflow" vert="horz" wrap="square" lIns="50800" tIns="50800" rIns="50800" bIns="50800" numCol="1" spcCol="38100" rtlCol="0" anchor="ctr">
+            <a:spAutoFit/>
+          </a:bodyPr>
+          <a:lstStyle/>
+          <a:p>
+            <a:r>
+              <a:rPr lang="it-IT" sz="1800" dirty="0" err="1"/>
+              <a:t>stands</a:t>
+            </a:r>
+            <a:r>
+              <a:rPr lang="it-IT" sz="1800" dirty="0"/>
+              <a:t> for «web» and </a:t>
+            </a:r>
+            <a:r>
+              <a:rPr lang="it-IT" sz="1800" dirty="0" err="1"/>
+              <a:t>indicates</a:t>
+            </a:r>
+            <a:r>
+              <a:rPr lang="it-IT" sz="1800" dirty="0"/>
+              <a:t> </a:t>
+            </a:r>
+            <a:r>
+              <a:rPr lang="it-IT" sz="1800" dirty="0" err="1"/>
+              <a:t>that</a:t>
+            </a:r>
+            <a:r>
+              <a:rPr lang="it-IT" sz="1800" dirty="0"/>
+              <a:t> an internet connection </a:t>
+            </a:r>
+            <a:r>
+              <a:rPr lang="it-IT" sz="1800" dirty="0" err="1"/>
+              <a:t>is</a:t>
+            </a:r>
+            <a:r>
+              <a:rPr lang="it-IT" sz="1800" dirty="0"/>
+              <a:t> </a:t>
+            </a:r>
+            <a:r>
+              <a:rPr lang="it-IT" sz="1800" dirty="0" err="1"/>
+              <a:t>required</a:t>
+            </a:r>
+            <a:endParaRPr lang="en-GB" sz="1800" dirty="0"/>
+          </a:p>
+          <a:p>
+            <a:pPr marL="0" marR="0" indent="0" algn="ctr" defTabSz="584200" rtl="0" fontAlgn="auto" latinLnBrk="0" hangingPunct="0">
+              <a:lnSpc>
+                <a:spcPct val="100000"/>
+              </a:lnSpc>
+              <a:spcBef>
+                <a:spcPts val="0"/>
+              </a:spcBef>
+              <a:spcAft>
+                <a:spcPts val="0"/>
+              </a:spcAft>
+              <a:buClrTx/>
+              <a:buSzTx/>
+              <a:buFontTx/>
+              <a:buNone/>
+              <a:tabLst/>
+            </a:pPr>
+            <a:endParaRPr kumimoji="0" lang="en-GB" sz="3600" b="0" i="0" u="none" strike="noStrike" cap="none" spc="0" normalizeH="0" baseline="0" dirty="0">
+              <a:ln>
+                <a:noFill/>
+              </a:ln>
+              <a:solidFill>
+                <a:srgbClr val="000000"/>
+              </a:solidFill>
+              <a:effectLst/>
+              <a:uFillTx/>
+              <a:latin typeface="+mn-lt"/>
+              <a:ea typeface="+mn-ea"/>
+              <a:cs typeface="+mn-cs"/>
+              <a:sym typeface="Helvetica Light"/>
+            </a:endParaRPr>
+          </a:p>
+        </p:txBody>
+      </p:sp>
+      <p:sp>
+        <p:nvSpPr>
+          <p:cNvPr id="8" name="Rettangolo 7"/>
+          <p:cNvSpPr/>
+          <p:nvPr/>
+        </p:nvSpPr>
+        <p:spPr>
+          <a:xfrm>
+            <a:off x="6520070" y="6782883"/>
+            <a:ext cx="573160" cy="471924"/>
+          </a:xfrm>
+          <a:prstGeom prst="rect">
+            <a:avLst/>
+          </a:prstGeom>
+          <a:blipFill rotWithShape="1">
+            <a:blip r:embed="rId5"/>
+            <a:srcRect/>
+            <a:tile tx="0" ty="0" sx="100000" sy="100000" flip="none" algn="tl"/>
+          </a:blipFill>
+          <a:ln w="12700" cap="flat">
+            <a:noFill/>
+            <a:miter lim="400000"/>
+          </a:ln>
+          <a:effectLst>
+            <a:outerShdw blurRad="38100" dist="25400" dir="5400000" rotWithShape="0">
+              <a:srgbClr val="000000">
+                <a:alpha val="50000"/>
+              </a:srgbClr>
+            </a:outerShdw>
+          </a:effectLst>
+          <a:sp3d/>
+        </p:spPr>
+        <p:style>
+          <a:lnRef idx="0">
+            <a:scrgbClr r="0" g="0" b="0"/>
+          </a:lnRef>
+          <a:fillRef idx="0">
+            <a:scrgbClr r="0" g="0" b="0"/>
+          </a:fillRef>
+          <a:effectRef idx="0">
+            <a:scrgbClr r="0" g="0" b="0"/>
+          </a:effectRef>
+          <a:fontRef idx="none"/>
+        </p:style>
+        <p:txBody>
+          <a:bodyPr rot="0" spcFirstLastPara="1" vertOverflow="overflow" horzOverflow="overflow" vert="horz" wrap="square" lIns="50800" tIns="50800" rIns="50800" bIns="50800" numCol="1" spcCol="38100" rtlCol="0" anchor="ctr">
+            <a:spAutoFit/>
+          </a:bodyPr>
+          <a:lstStyle/>
+          <a:p>
+            <a:pPr marL="0" marR="0" indent="0" algn="ctr" defTabSz="584200" rtl="0" fontAlgn="auto" latinLnBrk="0" hangingPunct="0">
+              <a:lnSpc>
+                <a:spcPct val="100000"/>
+              </a:lnSpc>
+              <a:spcBef>
+                <a:spcPts val="0"/>
+              </a:spcBef>
+              <a:spcAft>
+                <a:spcPts val="0"/>
+              </a:spcAft>
+              <a:buClrTx/>
+              <a:buSzTx/>
+              <a:buFontTx/>
+              <a:buNone/>
+              <a:tabLst/>
+            </a:pPr>
+            <a:r>
+              <a:rPr kumimoji="0" lang="it-IT" sz="2400" b="0" i="0" u="none" strike="noStrike" cap="none" spc="0" normalizeH="0" baseline="0" dirty="0" smtClean="0">
+                <a:ln>
+                  <a:noFill/>
+                </a:ln>
+                <a:solidFill>
+                  <a:srgbClr val="FFFFFF"/>
+                </a:solidFill>
+                <a:effectLst/>
+                <a:uFillTx/>
+                <a:latin typeface="+mn-lt"/>
+                <a:ea typeface="+mn-ea"/>
+                <a:cs typeface="+mn-cs"/>
+                <a:sym typeface="Helvetica Light"/>
+              </a:rPr>
+              <a:t>W</a:t>
+            </a:r>
+            <a:endParaRPr kumimoji="0" lang="en-GB" sz="2400" b="0" i="0" u="none" strike="noStrike" cap="none" spc="0" normalizeH="0" baseline="0" dirty="0">
+              <a:ln>
+                <a:noFill/>
+              </a:ln>
+              <a:solidFill>
+                <a:srgbClr val="FFFFFF"/>
+              </a:solidFill>
+              <a:effectLst/>
+              <a:uFillTx/>
+              <a:latin typeface="+mn-lt"/>
+              <a:ea typeface="+mn-ea"/>
+              <a:cs typeface="+mn-cs"/>
+              <a:sym typeface="Helvetica Light"/>
+            </a:endParaRPr>
+          </a:p>
+        </p:txBody>
+      </p:sp>
     </p:spTree>
   </p:cSld>
   <p:clrMapOvr>
@@ -4368,7 +4766,7 @@
           </a:ln>
           <a:extLst>
             <a:ext uri="{C572A759-6A51-4108-AA02-DFA0A04FC94B}">
-              <ma14:wrappingTextBoxFlag xmlns:ma14="http://schemas.microsoft.com/office/mac/drawingml/2011/main" xmlns="" val="1"/>
+              <ma14:wrappingTextBoxFlag xmlns="" xmlns:ma14="http://schemas.microsoft.com/office/mac/drawingml/2011/main" val="1"/>
             </a:ext>
           </a:extLst>
         </p:spPr>
@@ -4862,6 +5260,104 @@
               </a:solidFill>
               <a:effectLst/>
               <a:uFillTx/>
+              <a:sym typeface="Helvetica Light"/>
+            </a:endParaRPr>
+          </a:p>
+        </p:txBody>
+      </p:sp>
+      <p:sp>
+        <p:nvSpPr>
+          <p:cNvPr id="9" name="Rettangolo 8"/>
+          <p:cNvSpPr/>
+          <p:nvPr/>
+        </p:nvSpPr>
+        <p:spPr>
+          <a:xfrm>
+            <a:off x="12052300" y="209680"/>
+            <a:ext cx="706879" cy="1210588"/>
+          </a:xfrm>
+          <a:prstGeom prst="rect">
+            <a:avLst/>
+          </a:prstGeom>
+          <a:solidFill>
+            <a:schemeClr val="bg1"/>
+          </a:solidFill>
+          <a:ln w="12700" cap="flat">
+            <a:noFill/>
+            <a:miter lim="400000"/>
+          </a:ln>
+          <a:effectLst>
+            <a:glow rad="63500">
+              <a:schemeClr val="bg1">
+                <a:alpha val="40000"/>
+              </a:schemeClr>
+            </a:glow>
+          </a:effectLst>
+          <a:sp3d/>
+        </p:spPr>
+        <p:style>
+          <a:lnRef idx="0">
+            <a:scrgbClr r="0" g="0" b="0"/>
+          </a:lnRef>
+          <a:fillRef idx="0">
+            <a:scrgbClr r="0" g="0" b="0"/>
+          </a:fillRef>
+          <a:effectRef idx="0">
+            <a:scrgbClr r="0" g="0" b="0"/>
+          </a:effectRef>
+          <a:fontRef idx="none"/>
+        </p:style>
+        <p:txBody>
+          <a:bodyPr rot="0" spcFirstLastPara="1" vertOverflow="overflow" horzOverflow="overflow" vert="horz" wrap="square" lIns="50800" tIns="50800" rIns="50800" bIns="50800" numCol="1" spcCol="38100" rtlCol="0" anchor="ctr">
+            <a:spAutoFit/>
+          </a:bodyPr>
+          <a:lstStyle/>
+          <a:p>
+            <a:pPr marL="0" marR="0" indent="0" algn="ctr" defTabSz="584200" rtl="0" fontAlgn="auto" latinLnBrk="0" hangingPunct="0">
+              <a:lnSpc>
+                <a:spcPct val="100000"/>
+              </a:lnSpc>
+              <a:spcBef>
+                <a:spcPts val="0"/>
+              </a:spcBef>
+              <a:spcAft>
+                <a:spcPts val="0"/>
+              </a:spcAft>
+              <a:buClrTx/>
+              <a:buSzTx/>
+              <a:buFontTx/>
+              <a:buNone/>
+              <a:tabLst/>
+            </a:pPr>
+            <a:r>
+              <a:rPr kumimoji="0" lang="it-IT" sz="7200" b="1" i="0" u="none" strike="noStrike" cap="none" spc="0" normalizeH="0" baseline="0" dirty="0" smtClean="0">
+                <a:ln>
+                  <a:noFill/>
+                </a:ln>
+                <a:solidFill>
+                  <a:schemeClr val="tx1"/>
+                </a:solidFill>
+                <a:effectLst/>
+                <a:uFillTx/>
+                <a:latin typeface="+mn-lt"/>
+                <a:ea typeface="+mn-ea"/>
+                <a:cs typeface="+mn-cs"/>
+                <a:sym typeface="Helvetica Light"/>
+              </a:rPr>
+              <a:t>E</a:t>
+            </a:r>
+            <a:endParaRPr kumimoji="0" lang="en-GB" sz="7200" b="1" i="0" u="none" strike="noStrike" cap="none" spc="0" normalizeH="0" baseline="0" dirty="0">
+              <a:ln>
+                <a:noFill/>
+              </a:ln>
+              <a:solidFill>
+                <a:schemeClr val="tx1"/>
+              </a:solidFill>
+              <a:effectLst/>
+              <a:uFillTx/>
+              <a:latin typeface="+mn-lt"/>
+              <a:ea typeface="+mn-ea"/>
+              <a:cs typeface="+mn-cs"/>
               <a:sym typeface="Helvetica Light"/>
             </a:endParaRPr>
           </a:p>
@@ -4954,7 +5450,32 @@
           </a:lstStyle>
           <a:p>
             <a:r>
-              <a:t>4.TECHNICAL HIGLIGHTS(Aml steps)</a:t>
+              <a:rPr dirty="0"/>
+              <a:t>4.TECHNICAL </a:t>
+            </a:r>
+            <a:r>
+              <a:rPr dirty="0" smtClean="0"/>
+              <a:t>HIG</a:t>
+            </a:r>
+            <a:r>
+              <a:rPr lang="it-IT" dirty="0"/>
+              <a:t>H</a:t>
+            </a:r>
+            <a:r>
+              <a:rPr dirty="0" smtClean="0"/>
+              <a:t>LIGHTS(</a:t>
+            </a:r>
+            <a:r>
+              <a:rPr dirty="0" err="1" smtClean="0"/>
+              <a:t>Aml</a:t>
+            </a:r>
+            <a:r>
+              <a:rPr dirty="0" smtClean="0"/>
+              <a:t> </a:t>
+            </a:r>
+            <a:r>
+              <a:rPr dirty="0"/>
+              <a:t>steps)</a:t>
             </a:r>
           </a:p>
         </p:txBody>
@@ -5058,8 +5579,8 @@
         </p:nvSpPr>
         <p:spPr>
           <a:xfrm>
-            <a:off x="1402079" y="2838320"/>
-            <a:ext cx="10200642" cy="4833354"/>
+            <a:off x="1529079" y="2453829"/>
+            <a:ext cx="10200642" cy="6001643"/>
           </a:xfrm>
           <a:prstGeom prst="rect">
             <a:avLst/>
@@ -5069,7 +5590,7 @@
           </a:ln>
           <a:extLst>
             <a:ext uri="{C572A759-6A51-4108-AA02-DFA0A04FC94B}">
-              <ma14:wrappingTextBoxFlag xmlns:ma14="http://schemas.microsoft.com/office/mac/drawingml/2011/main" xmlns="" val="1"/>
+              <ma14:wrappingTextBoxFlag xmlns="" xmlns:ma14="http://schemas.microsoft.com/office/mac/drawingml/2011/main" val="1"/>
             </a:ext>
           </a:extLst>
         </p:spPr>
@@ -5079,80 +5600,84 @@
           </a:bodyPr>
           <a:lstStyle/>
           <a:p>
-            <a:pPr marL="457199" indent="-457199" algn="just" defTabSz="914400">
-              <a:buSzPct val="100000"/>
-              <a:buFont typeface="Arial"/>
+            <a:pPr marL="285750" indent="-285750" algn="just">
+              <a:buFont typeface="Arial" panose="020B0604020202020204" pitchFamily="34" charset="0"/>
               <a:buChar char="•"/>
-              <a:defRPr sz="3000" u="sng">
-                <a:latin typeface="Calibri"/>
-                <a:ea typeface="Calibri"/>
-                <a:cs typeface="Calibri"/>
-                <a:sym typeface="Calibri"/>
-              </a:defRPr>
             </a:pPr>
             <a:r>
-              <a:rPr dirty="0"/>
-              <a:t>FREE TO BREATHE</a:t>
-            </a:r>
-            <a:r>
-              <a:rPr u="none" dirty="0"/>
-              <a:t>: interacting monitoring system thought for people affected by allergies, with the aim of supporting them in their daily life by making a safe area out of their home.</a:t>
-            </a:r>
-          </a:p>
-          <a:p>
-            <a:pPr marL="457199" indent="-457199" algn="just" defTabSz="914400">
-              <a:buSzPct val="100000"/>
-              <a:buFont typeface="Arial"/>
+              <a:rPr lang="en-GB" sz="2400" b="1" u="sng" cap="all" dirty="0"/>
+              <a:t>SENSING</a:t>
+            </a:r>
+          </a:p>
+          <a:p>
+            <a:pPr algn="just"/>
+            <a:r>
+              <a:rPr lang="en-GB" sz="2400" dirty="0"/>
+              <a:t>The air will be constantly monitored (with focus on detecting the presence of substances which can be considered dangerous for the health of the subject) through the ad hoc sensors placed in the room. </a:t>
+            </a:r>
+            <a:endParaRPr lang="en-GB" sz="2400" dirty="0" smtClean="0"/>
+          </a:p>
+          <a:p>
+            <a:pPr marL="342900" indent="-342900" algn="just">
+              <a:buFont typeface="Arial" panose="020B0604020202020204" pitchFamily="34" charset="0"/>
               <a:buChar char="•"/>
-              <a:defRPr sz="3000" u="sng">
-                <a:latin typeface="Calibri"/>
-                <a:ea typeface="Calibri"/>
-                <a:cs typeface="Calibri"/>
-                <a:sym typeface="Calibri"/>
-              </a:defRPr>
             </a:pPr>
             <a:r>
-              <a:rPr dirty="0"/>
-              <a:t>WHY? </a:t>
-            </a:r>
-            <a:r>
-              <a:rPr u="none" dirty="0"/>
-              <a:t>It is studied that one of the main causes of allergic attacks is the presence in the air of allergenic substances (such as mites, pollen and mold), but also of chemical substances (contained for example in cigarette smoke or perfumes).</a:t>
-            </a:r>
-          </a:p>
-          <a:p>
-            <a:pPr marL="457199" indent="-457199" algn="just" defTabSz="914400">
-              <a:buSzPct val="100000"/>
-              <a:buFont typeface="Arial"/>
+              <a:rPr lang="it-IT" sz="2400" b="1" u="sng" cap="all" dirty="0" err="1" smtClean="0"/>
+              <a:t>Reasoning</a:t>
+            </a:r>
+            <a:endParaRPr lang="it-IT" sz="2400" b="1" u="sng" cap="all" dirty="0"/>
+          </a:p>
+          <a:p>
+            <a:pPr algn="just"/>
+            <a:r>
+              <a:rPr lang="en-GB" sz="2400" dirty="0"/>
+              <a:t>On the base of what the sensors read, the system will analyse data and detect dangerous situations from which an attack could grow up.</a:t>
+            </a:r>
+            <a:endParaRPr lang="en-GB" sz="2400" cap="all" dirty="0"/>
+          </a:p>
+          <a:p>
+            <a:pPr marL="285750" indent="-285750" algn="just">
+              <a:buFont typeface="Arial" panose="020B0604020202020204" pitchFamily="34" charset="0"/>
               <a:buChar char="•"/>
-              <a:defRPr sz="3000">
-                <a:solidFill>
-                  <a:srgbClr val="1F4E79"/>
-                </a:solidFill>
-                <a:latin typeface="Calibri"/>
-                <a:ea typeface="Calibri"/>
-                <a:cs typeface="Calibri"/>
-                <a:sym typeface="Calibri"/>
-              </a:defRPr>
             </a:pPr>
-            <a:endParaRPr u="none" dirty="0"/>
-          </a:p>
-          <a:p>
-            <a:pPr defTabSz="914400">
-              <a:defRPr sz="3000">
-                <a:solidFill>
-                  <a:srgbClr val="1F4E79"/>
-                </a:solidFill>
-                <a:latin typeface="Calibri"/>
-                <a:ea typeface="Calibri"/>
-                <a:cs typeface="Calibri"/>
-                <a:sym typeface="Calibri"/>
-              </a:defRPr>
+            <a:r>
+              <a:rPr lang="en-GB" sz="2400" b="1" u="sng" cap="all" dirty="0"/>
+              <a:t>ACTING</a:t>
+            </a:r>
+          </a:p>
+          <a:p>
+            <a:pPr algn="just"/>
+            <a:r>
+              <a:rPr lang="en-GB" sz="2400" dirty="0"/>
+              <a:t>If a hot situation is detected during the reasoning phase the system will aim at adjusting the air composition in the room through the sensors installed.</a:t>
+            </a:r>
+          </a:p>
+          <a:p>
+            <a:pPr marL="285750" indent="-285750" algn="just">
+              <a:buFont typeface="Arial" panose="020B0604020202020204" pitchFamily="34" charset="0"/>
+              <a:buChar char="•"/>
             </a:pPr>
             <a:r>
-              <a:rPr dirty="0"/>
-              <a:t>Wouldn’t it be better if there was a system capable of reducing the amount of these substances in a room?</a:t>
-            </a:r>
+              <a:rPr lang="en-GB" sz="2400" b="1" u="sng" cap="all" dirty="0"/>
+              <a:t>INTERACTING</a:t>
+            </a:r>
+          </a:p>
+          <a:p>
+            <a:pPr algn="just"/>
+            <a:r>
+              <a:rPr lang="en-GB" sz="2400" dirty="0"/>
+              <a:t>Our device will constantly keep the user informed of what it is doing, both via LCD screen and via web, but there is more. In order to optimize its future </a:t>
+            </a:r>
+            <a:r>
+              <a:rPr lang="en-GB" sz="2400" dirty="0" err="1"/>
+              <a:t>behavior</a:t>
+            </a:r>
+            <a:r>
+              <a:rPr lang="en-GB" sz="2400" dirty="0"/>
+              <a:t> the device will be subject to regulations by the user, which can be done in the two described ways.</a:t>
+            </a:r>
+            <a:endParaRPr lang="en-GB" sz="2400" dirty="0"/>
           </a:p>
         </p:txBody>
       </p:sp>

--- a/FREETOBREATHE.pptx
+++ b/FREETOBREATHE.pptx
@@ -4414,42 +4414,62 @@
           <a:lstStyle/>
           <a:p>
             <a:r>
-              <a:rPr lang="it-IT" sz="1800" dirty="0" err="1"/>
+              <a:rPr lang="it-IT" sz="1800" dirty="0" err="1">
+                <a:latin typeface="Calibri" panose="020F0502020204030204" pitchFamily="34" charset="0"/>
+              </a:rPr>
               <a:t>stands</a:t>
             </a:r>
             <a:r>
-              <a:rPr lang="it-IT" sz="1800" dirty="0"/>
+              <a:rPr lang="it-IT" sz="1800" dirty="0">
+                <a:latin typeface="Calibri" panose="020F0502020204030204" pitchFamily="34" charset="0"/>
+              </a:rPr>
               <a:t> for «web» and </a:t>
             </a:r>
             <a:r>
-              <a:rPr lang="it-IT" sz="1800" dirty="0" err="1"/>
+              <a:rPr lang="it-IT" sz="1800" dirty="0" err="1">
+                <a:latin typeface="Calibri" panose="020F0502020204030204" pitchFamily="34" charset="0"/>
+              </a:rPr>
               <a:t>indicates</a:t>
             </a:r>
             <a:r>
-              <a:rPr lang="it-IT" sz="1800" dirty="0"/>
+              <a:rPr lang="it-IT" sz="1800" dirty="0">
+                <a:latin typeface="Calibri" panose="020F0502020204030204" pitchFamily="34" charset="0"/>
+              </a:rPr>
               <a:t> </a:t>
             </a:r>
             <a:r>
-              <a:rPr lang="it-IT" sz="1800" dirty="0" err="1"/>
+              <a:rPr lang="it-IT" sz="1800" dirty="0" err="1">
+                <a:latin typeface="Calibri" panose="020F0502020204030204" pitchFamily="34" charset="0"/>
+              </a:rPr>
               <a:t>that</a:t>
             </a:r>
             <a:r>
-              <a:rPr lang="it-IT" sz="1800" dirty="0"/>
+              <a:rPr lang="it-IT" sz="1800" dirty="0">
+                <a:latin typeface="Calibri" panose="020F0502020204030204" pitchFamily="34" charset="0"/>
+              </a:rPr>
               <a:t> an internet connection </a:t>
             </a:r>
             <a:r>
-              <a:rPr lang="it-IT" sz="1800" dirty="0" err="1"/>
+              <a:rPr lang="it-IT" sz="1800" dirty="0" err="1">
+                <a:latin typeface="Calibri" panose="020F0502020204030204" pitchFamily="34" charset="0"/>
+              </a:rPr>
               <a:t>is</a:t>
             </a:r>
             <a:r>
-              <a:rPr lang="it-IT" sz="1800" dirty="0"/>
+              <a:rPr lang="it-IT" sz="1800" dirty="0">
+                <a:latin typeface="Calibri" panose="020F0502020204030204" pitchFamily="34" charset="0"/>
+              </a:rPr>
               <a:t> </a:t>
             </a:r>
             <a:r>
-              <a:rPr lang="it-IT" sz="1800" dirty="0" err="1"/>
+              <a:rPr lang="it-IT" sz="1800" dirty="0" err="1">
+                <a:latin typeface="Calibri" panose="020F0502020204030204" pitchFamily="34" charset="0"/>
+              </a:rPr>
               <a:t>required</a:t>
             </a:r>
-            <a:endParaRPr lang="en-GB" sz="1800" dirty="0"/>
+            <a:endParaRPr lang="en-GB" sz="1800" dirty="0">
+              <a:latin typeface="Calibri" panose="020F0502020204030204" pitchFamily="34" charset="0"/>
+            </a:endParaRPr>
           </a:p>
           <a:p>
             <a:pPr marL="0" marR="0" indent="0" algn="ctr" defTabSz="584200" rtl="0" fontAlgn="auto" latinLnBrk="0" hangingPunct="0">
@@ -4493,7 +4513,7 @@
         </p:nvSpPr>
         <p:spPr>
           <a:xfrm>
-            <a:off x="6520070" y="6782883"/>
+            <a:off x="6806650" y="6748995"/>
             <a:ext cx="573160" cy="471924"/>
           </a:xfrm>
           <a:prstGeom prst="rect">
@@ -5079,7 +5099,7 @@
         </p:nvSpPr>
         <p:spPr>
           <a:xfrm>
-            <a:off x="748144" y="1189136"/>
+            <a:off x="759987" y="1222965"/>
             <a:ext cx="443345" cy="471924"/>
           </a:xfrm>
           <a:prstGeom prst="rect">
@@ -5179,7 +5199,7 @@
         </p:nvSpPr>
         <p:spPr>
           <a:xfrm>
-            <a:off x="748145" y="1352611"/>
+            <a:off x="1203333" y="1260113"/>
             <a:ext cx="6472085" cy="718145"/>
           </a:xfrm>
           <a:prstGeom prst="rect">
@@ -5212,43 +5232,63 @@
           <a:lstStyle/>
           <a:p>
             <a:r>
-              <a:rPr lang="it-IT" sz="2000" dirty="0" err="1" smtClean="0"/>
+              <a:rPr lang="it-IT" sz="2000" dirty="0" err="1" smtClean="0">
+                <a:latin typeface="Calibri" panose="020F0502020204030204" pitchFamily="34" charset="0"/>
+              </a:rPr>
               <a:t>stands</a:t>
             </a:r>
             <a:r>
-              <a:rPr lang="it-IT" sz="2000" dirty="0" smtClean="0"/>
+              <a:rPr lang="it-IT" sz="2000" dirty="0" smtClean="0">
+                <a:latin typeface="Calibri" panose="020F0502020204030204" pitchFamily="34" charset="0"/>
+              </a:rPr>
               <a:t> </a:t>
             </a:r>
             <a:r>
-              <a:rPr lang="it-IT" sz="2000" dirty="0"/>
+              <a:rPr lang="it-IT" sz="2000" dirty="0">
+                <a:latin typeface="Calibri" panose="020F0502020204030204" pitchFamily="34" charset="0"/>
+              </a:rPr>
               <a:t>for «web» and </a:t>
             </a:r>
             <a:r>
-              <a:rPr lang="it-IT" sz="2000" dirty="0" err="1"/>
+              <a:rPr lang="it-IT" sz="2000" dirty="0" err="1">
+                <a:latin typeface="Calibri" panose="020F0502020204030204" pitchFamily="34" charset="0"/>
+              </a:rPr>
               <a:t>indicates</a:t>
             </a:r>
             <a:r>
-              <a:rPr lang="it-IT" sz="2000" dirty="0"/>
+              <a:rPr lang="it-IT" sz="2000" dirty="0">
+                <a:latin typeface="Calibri" panose="020F0502020204030204" pitchFamily="34" charset="0"/>
+              </a:rPr>
               <a:t> </a:t>
             </a:r>
             <a:r>
-              <a:rPr lang="it-IT" sz="2000" dirty="0" err="1"/>
+              <a:rPr lang="it-IT" sz="2000" dirty="0" err="1">
+                <a:latin typeface="Calibri" panose="020F0502020204030204" pitchFamily="34" charset="0"/>
+              </a:rPr>
               <a:t>that</a:t>
             </a:r>
             <a:r>
-              <a:rPr lang="it-IT" sz="2000" dirty="0"/>
+              <a:rPr lang="it-IT" sz="2000" dirty="0">
+                <a:latin typeface="Calibri" panose="020F0502020204030204" pitchFamily="34" charset="0"/>
+              </a:rPr>
               <a:t> an internet connection </a:t>
             </a:r>
             <a:r>
-              <a:rPr lang="it-IT" sz="2000" dirty="0" err="1"/>
+              <a:rPr lang="it-IT" sz="2000" dirty="0" err="1">
+                <a:latin typeface="Calibri" panose="020F0502020204030204" pitchFamily="34" charset="0"/>
+              </a:rPr>
               <a:t>is</a:t>
             </a:r>
             <a:r>
-              <a:rPr lang="it-IT" sz="2000" dirty="0"/>
+              <a:rPr lang="it-IT" sz="2000" dirty="0">
+                <a:latin typeface="Calibri" panose="020F0502020204030204" pitchFamily="34" charset="0"/>
+              </a:rPr>
               <a:t> </a:t>
             </a:r>
             <a:r>
-              <a:rPr lang="it-IT" sz="2000" dirty="0" err="1"/>
+              <a:rPr lang="it-IT" sz="2000" dirty="0" err="1">
+                <a:latin typeface="Calibri" panose="020F0502020204030204" pitchFamily="34" charset="0"/>
+              </a:rPr>
               <a:t>required</a:t>
             </a:r>
             <a:endParaRPr kumimoji="0" lang="en-GB" sz="2000" b="0" i="0" u="none" strike="noStrike" cap="none" spc="0" normalizeH="0" baseline="0" dirty="0">
@@ -5260,6 +5300,7 @@
               </a:solidFill>
               <a:effectLst/>
               <a:uFillTx/>
+              <a:latin typeface="Calibri" panose="020F0502020204030204" pitchFamily="34" charset="0"/>
               <a:sym typeface="Helvetica Light"/>
             </a:endParaRPr>
           </a:p>
@@ -5580,7 +5621,7 @@
         <p:spPr>
           <a:xfrm>
             <a:off x="1529079" y="2453829"/>
-            <a:ext cx="10200642" cy="6001643"/>
+            <a:ext cx="10200642" cy="5632311"/>
           </a:xfrm>
           <a:prstGeom prst="rect">
             <a:avLst/>
@@ -5605,17 +5646,23 @@
               <a:buChar char="•"/>
             </a:pPr>
             <a:r>
-              <a:rPr lang="en-GB" sz="2400" b="1" u="sng" cap="all" dirty="0"/>
+              <a:rPr lang="en-GB" sz="2400" b="1" u="sng" cap="all" dirty="0">
+                <a:latin typeface="Calibri" panose="020F0502020204030204" pitchFamily="34" charset="0"/>
+              </a:rPr>
               <a:t>SENSING</a:t>
             </a:r>
           </a:p>
           <a:p>
             <a:pPr algn="just"/>
             <a:r>
-              <a:rPr lang="en-GB" sz="2400" dirty="0"/>
+              <a:rPr lang="en-GB" sz="2400" dirty="0">
+                <a:latin typeface="Calibri" panose="020F0502020204030204" pitchFamily="34" charset="0"/>
+              </a:rPr>
               <a:t>The air will be constantly monitored (with focus on detecting the presence of substances which can be considered dangerous for the health of the subject) through the ad hoc sensors placed in the room. </a:t>
             </a:r>
-            <a:endParaRPr lang="en-GB" sz="2400" dirty="0" smtClean="0"/>
+            <a:endParaRPr lang="en-GB" sz="2400" dirty="0" smtClean="0">
+              <a:latin typeface="Calibri" panose="020F0502020204030204" pitchFamily="34" charset="0"/>
+            </a:endParaRPr>
           </a:p>
           <a:p>
             <a:pPr marL="342900" indent="-342900" algn="just">
@@ -5623,18 +5670,26 @@
               <a:buChar char="•"/>
             </a:pPr>
             <a:r>
-              <a:rPr lang="it-IT" sz="2400" b="1" u="sng" cap="all" dirty="0" err="1" smtClean="0"/>
+              <a:rPr lang="it-IT" sz="2400" b="1" u="sng" cap="all" dirty="0" err="1" smtClean="0">
+                <a:latin typeface="Calibri" panose="020F0502020204030204" pitchFamily="34" charset="0"/>
+              </a:rPr>
               <a:t>Reasoning</a:t>
             </a:r>
-            <a:endParaRPr lang="it-IT" sz="2400" b="1" u="sng" cap="all" dirty="0"/>
+            <a:endParaRPr lang="it-IT" sz="2400" b="1" u="sng" cap="all" dirty="0">
+              <a:latin typeface="Calibri" panose="020F0502020204030204" pitchFamily="34" charset="0"/>
+            </a:endParaRPr>
           </a:p>
           <a:p>
             <a:pPr algn="just"/>
             <a:r>
-              <a:rPr lang="en-GB" sz="2400" dirty="0"/>
+              <a:rPr lang="en-GB" sz="2400" dirty="0">
+                <a:latin typeface="Calibri" panose="020F0502020204030204" pitchFamily="34" charset="0"/>
+              </a:rPr>
               <a:t>On the base of what the sensors read, the system will analyse data and detect dangerous situations from which an attack could grow up.</a:t>
             </a:r>
-            <a:endParaRPr lang="en-GB" sz="2400" cap="all" dirty="0"/>
+            <a:endParaRPr lang="en-GB" sz="2400" cap="all" dirty="0">
+              <a:latin typeface="Calibri" panose="020F0502020204030204" pitchFamily="34" charset="0"/>
+            </a:endParaRPr>
           </a:p>
           <a:p>
             <a:pPr marL="285750" indent="-285750" algn="just">
@@ -5642,14 +5697,18 @@
               <a:buChar char="•"/>
             </a:pPr>
             <a:r>
-              <a:rPr lang="en-GB" sz="2400" b="1" u="sng" cap="all" dirty="0"/>
+              <a:rPr lang="en-GB" sz="2400" b="1" u="sng" cap="all" dirty="0">
+                <a:latin typeface="Calibri" panose="020F0502020204030204" pitchFamily="34" charset="0"/>
+              </a:rPr>
               <a:t>ACTING</a:t>
             </a:r>
           </a:p>
           <a:p>
             <a:pPr algn="just"/>
             <a:r>
-              <a:rPr lang="en-GB" sz="2400" dirty="0"/>
+              <a:rPr lang="en-GB" sz="2400" dirty="0">
+                <a:latin typeface="Calibri" panose="020F0502020204030204" pitchFamily="34" charset="0"/>
+              </a:rPr>
               <a:t>If a hot situation is detected during the reasoning phase the system will aim at adjusting the air composition in the room through the sensors installed.</a:t>
             </a:r>
           </a:p>
@@ -5659,25 +5718,35 @@
               <a:buChar char="•"/>
             </a:pPr>
             <a:r>
-              <a:rPr lang="en-GB" sz="2400" b="1" u="sng" cap="all" dirty="0"/>
+              <a:rPr lang="en-GB" sz="2400" b="1" u="sng" cap="all" dirty="0">
+                <a:latin typeface="Calibri" panose="020F0502020204030204" pitchFamily="34" charset="0"/>
+              </a:rPr>
               <a:t>INTERACTING</a:t>
             </a:r>
           </a:p>
           <a:p>
             <a:pPr algn="just"/>
             <a:r>
-              <a:rPr lang="en-GB" sz="2400" dirty="0"/>
+              <a:rPr lang="en-GB" sz="2400" dirty="0">
+                <a:latin typeface="Calibri" panose="020F0502020204030204" pitchFamily="34" charset="0"/>
+              </a:rPr>
               <a:t>Our device will constantly keep the user informed of what it is doing, both via LCD screen and via web, but there is more. In order to optimize its future </a:t>
             </a:r>
             <a:r>
-              <a:rPr lang="en-GB" sz="2400" dirty="0" err="1"/>
+              <a:rPr lang="en-GB" sz="2400" dirty="0" err="1">
+                <a:latin typeface="Calibri" panose="020F0502020204030204" pitchFamily="34" charset="0"/>
+              </a:rPr>
               <a:t>behavior</a:t>
             </a:r>
             <a:r>
-              <a:rPr lang="en-GB" sz="2400" dirty="0"/>
+              <a:rPr lang="en-GB" sz="2400" dirty="0">
+                <a:latin typeface="Calibri" panose="020F0502020204030204" pitchFamily="34" charset="0"/>
+              </a:rPr>
               <a:t> the device will be subject to regulations by the user, which can be done in the two described ways.</a:t>
             </a:r>
-            <a:endParaRPr lang="en-GB" sz="2400" dirty="0"/>
+            <a:endParaRPr lang="en-GB" sz="2400" dirty="0">
+              <a:latin typeface="Calibri" panose="020F0502020204030204" pitchFamily="34" charset="0"/>
+            </a:endParaRPr>
           </a:p>
         </p:txBody>
       </p:sp>
@@ -5840,13 +5909,17 @@
           </p:nvPr>
         </p:nvSpPr>
         <p:spPr>
+          <a:xfrm>
+            <a:off x="952500" y="2351709"/>
+            <a:ext cx="11099800" cy="6286500"/>
+          </a:xfrm>
           <a:prstGeom prst="rect">
             <a:avLst/>
           </a:prstGeom>
         </p:spPr>
         <p:txBody>
           <a:bodyPr>
-            <a:normAutofit fontScale="92500" lnSpcReduction="20000"/>
+            <a:normAutofit fontScale="92500" lnSpcReduction="10000"/>
           </a:bodyPr>
           <a:lstStyle/>
           <a:p>
@@ -5854,275 +5927,411 @@
               <a:buNone/>
             </a:pPr>
             <a:r>
-              <a:rPr lang="it-IT" sz="3500" dirty="0" err="1"/>
+              <a:rPr lang="it-IT" sz="3500" dirty="0" err="1">
+                <a:latin typeface="Calibri" panose="020F0502020204030204" pitchFamily="34" charset="0"/>
+              </a:rPr>
               <a:t>FtB</a:t>
             </a:r>
             <a:r>
-              <a:rPr lang="it-IT" sz="3500" dirty="0"/>
+              <a:rPr lang="it-IT" sz="3500" dirty="0">
+                <a:latin typeface="Calibri" panose="020F0502020204030204" pitchFamily="34" charset="0"/>
+              </a:rPr>
               <a:t> </a:t>
             </a:r>
             <a:r>
-              <a:rPr lang="it-IT" sz="3500" dirty="0" err="1"/>
+              <a:rPr lang="it-IT" sz="3500" dirty="0" err="1">
+                <a:latin typeface="Calibri" panose="020F0502020204030204" pitchFamily="34" charset="0"/>
+              </a:rPr>
               <a:t>is</a:t>
             </a:r>
             <a:r>
-              <a:rPr lang="it-IT" sz="3500" dirty="0"/>
+              <a:rPr lang="it-IT" sz="3500" dirty="0">
+                <a:latin typeface="Calibri" panose="020F0502020204030204" pitchFamily="34" charset="0"/>
+              </a:rPr>
               <a:t> </a:t>
             </a:r>
             <a:r>
-              <a:rPr lang="it-IT" sz="3500" dirty="0" err="1"/>
+              <a:rPr lang="it-IT" sz="3500" dirty="0" err="1">
+                <a:latin typeface="Calibri" panose="020F0502020204030204" pitchFamily="34" charset="0"/>
+              </a:rPr>
               <a:t>mainly</a:t>
             </a:r>
             <a:r>
-              <a:rPr lang="it-IT" sz="3500" dirty="0"/>
+              <a:rPr lang="it-IT" sz="3500" dirty="0">
+                <a:latin typeface="Calibri" panose="020F0502020204030204" pitchFamily="34" charset="0"/>
+              </a:rPr>
               <a:t> </a:t>
             </a:r>
             <a:r>
-              <a:rPr lang="it-IT" sz="3500" dirty="0" err="1"/>
+              <a:rPr lang="it-IT" sz="3500" dirty="0" err="1">
+                <a:latin typeface="Calibri" panose="020F0502020204030204" pitchFamily="34" charset="0"/>
+              </a:rPr>
               <a:t>intended</a:t>
             </a:r>
             <a:r>
-              <a:rPr lang="it-IT" sz="3500" dirty="0"/>
+              <a:rPr lang="it-IT" sz="3500" dirty="0">
+                <a:latin typeface="Calibri" panose="020F0502020204030204" pitchFamily="34" charset="0"/>
+              </a:rPr>
               <a:t> to be a </a:t>
             </a:r>
             <a:r>
-              <a:rPr lang="it-IT" sz="3500" dirty="0" err="1"/>
+              <a:rPr lang="it-IT" sz="3500" dirty="0" err="1">
+                <a:latin typeface="Calibri" panose="020F0502020204030204" pitchFamily="34" charset="0"/>
+              </a:rPr>
               <a:t>valuable</a:t>
             </a:r>
             <a:r>
-              <a:rPr lang="it-IT" sz="3500" dirty="0"/>
+              <a:rPr lang="it-IT" sz="3500" dirty="0">
+                <a:latin typeface="Calibri" panose="020F0502020204030204" pitchFamily="34" charset="0"/>
+              </a:rPr>
               <a:t> help in </a:t>
             </a:r>
             <a:r>
-              <a:rPr lang="it-IT" sz="3500" dirty="0" err="1"/>
+              <a:rPr lang="it-IT" sz="3500" dirty="0" err="1">
+                <a:latin typeface="Calibri" panose="020F0502020204030204" pitchFamily="34" charset="0"/>
+              </a:rPr>
               <a:t>everyday</a:t>
             </a:r>
             <a:r>
-              <a:rPr lang="it-IT" sz="3500" dirty="0"/>
+              <a:rPr lang="it-IT" sz="3500" dirty="0">
+                <a:latin typeface="Calibri" panose="020F0502020204030204" pitchFamily="34" charset="0"/>
+              </a:rPr>
               <a:t> life: </a:t>
             </a:r>
             <a:r>
-              <a:rPr lang="it-IT" sz="3500" dirty="0" err="1"/>
+              <a:rPr lang="it-IT" sz="3500" dirty="0" err="1">
+                <a:latin typeface="Calibri" panose="020F0502020204030204" pitchFamily="34" charset="0"/>
+              </a:rPr>
               <a:t>it</a:t>
             </a:r>
             <a:r>
-              <a:rPr lang="it-IT" sz="3500" dirty="0"/>
+              <a:rPr lang="it-IT" sz="3500" dirty="0">
+                <a:latin typeface="Calibri" panose="020F0502020204030204" pitchFamily="34" charset="0"/>
+              </a:rPr>
               <a:t> </a:t>
             </a:r>
             <a:r>
-              <a:rPr lang="it-IT" sz="3500" dirty="0" err="1"/>
+              <a:rPr lang="it-IT" sz="3500" dirty="0" err="1">
+                <a:latin typeface="Calibri" panose="020F0502020204030204" pitchFamily="34" charset="0"/>
+              </a:rPr>
               <a:t>will</a:t>
             </a:r>
             <a:r>
-              <a:rPr lang="it-IT" sz="3500" dirty="0"/>
+              <a:rPr lang="it-IT" sz="3500" dirty="0">
+                <a:latin typeface="Calibri" panose="020F0502020204030204" pitchFamily="34" charset="0"/>
+              </a:rPr>
               <a:t> </a:t>
             </a:r>
             <a:r>
-              <a:rPr lang="it-IT" sz="3500" dirty="0" err="1"/>
+              <a:rPr lang="it-IT" sz="3500" dirty="0" err="1">
+                <a:latin typeface="Calibri" panose="020F0502020204030204" pitchFamily="34" charset="0"/>
+              </a:rPr>
               <a:t>constantly</a:t>
             </a:r>
             <a:r>
-              <a:rPr lang="it-IT" sz="3500" dirty="0"/>
+              <a:rPr lang="it-IT" sz="3500" dirty="0">
+                <a:latin typeface="Calibri" panose="020F0502020204030204" pitchFamily="34" charset="0"/>
+              </a:rPr>
               <a:t> </a:t>
             </a:r>
             <a:r>
-              <a:rPr lang="it-IT" sz="3500" dirty="0" err="1"/>
+              <a:rPr lang="it-IT" sz="3500" dirty="0" err="1">
+                <a:latin typeface="Calibri" panose="020F0502020204030204" pitchFamily="34" charset="0"/>
+              </a:rPr>
               <a:t>scan</a:t>
             </a:r>
             <a:r>
-              <a:rPr lang="it-IT" sz="3500" dirty="0"/>
+              <a:rPr lang="it-IT" sz="3500" dirty="0">
+                <a:latin typeface="Calibri" panose="020F0502020204030204" pitchFamily="34" charset="0"/>
+              </a:rPr>
               <a:t> the room in </a:t>
             </a:r>
             <a:r>
-              <a:rPr lang="it-IT" sz="3500" dirty="0" err="1"/>
+              <a:rPr lang="it-IT" sz="3500" dirty="0" err="1">
+                <a:latin typeface="Calibri" panose="020F0502020204030204" pitchFamily="34" charset="0"/>
+              </a:rPr>
               <a:t>order</a:t>
             </a:r>
             <a:r>
-              <a:rPr lang="it-IT" sz="3500" dirty="0"/>
+              <a:rPr lang="it-IT" sz="3500" dirty="0">
+                <a:latin typeface="Calibri" panose="020F0502020204030204" pitchFamily="34" charset="0"/>
+              </a:rPr>
               <a:t> to </a:t>
             </a:r>
             <a:r>
-              <a:rPr lang="it-IT" sz="3500" dirty="0" err="1"/>
+              <a:rPr lang="it-IT" sz="3500" dirty="0" err="1">
+                <a:latin typeface="Calibri" panose="020F0502020204030204" pitchFamily="34" charset="0"/>
+              </a:rPr>
               <a:t>avoid</a:t>
             </a:r>
             <a:r>
-              <a:rPr lang="it-IT" sz="3500" dirty="0"/>
+              <a:rPr lang="it-IT" sz="3500" dirty="0">
+                <a:latin typeface="Calibri" panose="020F0502020204030204" pitchFamily="34" charset="0"/>
+              </a:rPr>
               <a:t> the </a:t>
             </a:r>
             <a:r>
-              <a:rPr lang="it-IT" sz="3500" dirty="0" err="1"/>
+              <a:rPr lang="it-IT" sz="3500" dirty="0" err="1">
+                <a:latin typeface="Calibri" panose="020F0502020204030204" pitchFamily="34" charset="0"/>
+              </a:rPr>
               <a:t>incoming</a:t>
             </a:r>
             <a:r>
-              <a:rPr lang="it-IT" sz="3500" dirty="0"/>
+              <a:rPr lang="it-IT" sz="3500" dirty="0">
+                <a:latin typeface="Calibri" panose="020F0502020204030204" pitchFamily="34" charset="0"/>
+              </a:rPr>
               <a:t> of an </a:t>
             </a:r>
             <a:r>
-              <a:rPr lang="it-IT" sz="3500" dirty="0" err="1"/>
+              <a:rPr lang="it-IT" sz="3500" dirty="0" err="1">
+                <a:latin typeface="Calibri" panose="020F0502020204030204" pitchFamily="34" charset="0"/>
+              </a:rPr>
               <a:t>allergic</a:t>
             </a:r>
             <a:r>
-              <a:rPr lang="it-IT" sz="3500" dirty="0"/>
+              <a:rPr lang="it-IT" sz="3500" dirty="0">
+                <a:latin typeface="Calibri" panose="020F0502020204030204" pitchFamily="34" charset="0"/>
+              </a:rPr>
               <a:t> </a:t>
             </a:r>
             <a:r>
-              <a:rPr lang="it-IT" sz="3500" dirty="0" err="1"/>
+              <a:rPr lang="it-IT" sz="3500" dirty="0" err="1">
+                <a:latin typeface="Calibri" panose="020F0502020204030204" pitchFamily="34" charset="0"/>
+              </a:rPr>
               <a:t>attack</a:t>
             </a:r>
             <a:r>
-              <a:rPr lang="it-IT" sz="3500" dirty="0"/>
+              <a:rPr lang="it-IT" sz="3500" dirty="0">
+                <a:latin typeface="Calibri" panose="020F0502020204030204" pitchFamily="34" charset="0"/>
+              </a:rPr>
               <a:t> and </a:t>
             </a:r>
             <a:r>
-              <a:rPr lang="it-IT" sz="3500" dirty="0" err="1"/>
+              <a:rPr lang="it-IT" sz="3500" dirty="0" err="1">
+                <a:latin typeface="Calibri" panose="020F0502020204030204" pitchFamily="34" charset="0"/>
+              </a:rPr>
               <a:t>it</a:t>
             </a:r>
             <a:r>
-              <a:rPr lang="it-IT" sz="3500" dirty="0"/>
+              <a:rPr lang="it-IT" sz="3500" dirty="0">
+                <a:latin typeface="Calibri" panose="020F0502020204030204" pitchFamily="34" charset="0"/>
+              </a:rPr>
               <a:t> </a:t>
             </a:r>
             <a:r>
-              <a:rPr lang="it-IT" sz="3500" dirty="0" err="1"/>
+              <a:rPr lang="it-IT" sz="3500" dirty="0" err="1">
+                <a:latin typeface="Calibri" panose="020F0502020204030204" pitchFamily="34" charset="0"/>
+              </a:rPr>
               <a:t>will</a:t>
             </a:r>
             <a:r>
-              <a:rPr lang="it-IT" sz="3500" dirty="0"/>
+              <a:rPr lang="it-IT" sz="3500" dirty="0">
+                <a:latin typeface="Calibri" panose="020F0502020204030204" pitchFamily="34" charset="0"/>
+              </a:rPr>
               <a:t> do </a:t>
             </a:r>
             <a:r>
-              <a:rPr lang="it-IT" sz="3500" dirty="0" err="1"/>
+              <a:rPr lang="it-IT" sz="3500" dirty="0" err="1">
+                <a:latin typeface="Calibri" panose="020F0502020204030204" pitchFamily="34" charset="0"/>
+              </a:rPr>
               <a:t>it</a:t>
             </a:r>
             <a:r>
-              <a:rPr lang="it-IT" sz="3500" dirty="0"/>
+              <a:rPr lang="it-IT" sz="3500" dirty="0">
+                <a:latin typeface="Calibri" panose="020F0502020204030204" pitchFamily="34" charset="0"/>
+              </a:rPr>
               <a:t> </a:t>
             </a:r>
             <a:r>
-              <a:rPr lang="it-IT" sz="3500" dirty="0" err="1"/>
+              <a:rPr lang="it-IT" sz="3500" dirty="0" err="1">
+                <a:latin typeface="Calibri" panose="020F0502020204030204" pitchFamily="34" charset="0"/>
+              </a:rPr>
               <a:t>responding</a:t>
             </a:r>
             <a:r>
-              <a:rPr lang="it-IT" sz="3500" dirty="0"/>
+              <a:rPr lang="it-IT" sz="3500" dirty="0">
+                <a:latin typeface="Calibri" panose="020F0502020204030204" pitchFamily="34" charset="0"/>
+              </a:rPr>
               <a:t> to the </a:t>
             </a:r>
             <a:r>
-              <a:rPr lang="it-IT" sz="3500" dirty="0" err="1"/>
+              <a:rPr lang="it-IT" sz="3500" dirty="0" err="1">
+                <a:latin typeface="Calibri" panose="020F0502020204030204" pitchFamily="34" charset="0"/>
+              </a:rPr>
               <a:t>needs</a:t>
             </a:r>
             <a:r>
-              <a:rPr lang="it-IT" sz="3500" dirty="0"/>
+              <a:rPr lang="it-IT" sz="3500" dirty="0">
+                <a:latin typeface="Calibri" panose="020F0502020204030204" pitchFamily="34" charset="0"/>
+              </a:rPr>
               <a:t> of the </a:t>
             </a:r>
             <a:r>
-              <a:rPr lang="it-IT" sz="3500" dirty="0" err="1"/>
+              <a:rPr lang="it-IT" sz="3500" dirty="0" err="1">
+                <a:latin typeface="Calibri" panose="020F0502020204030204" pitchFamily="34" charset="0"/>
+              </a:rPr>
               <a:t>user</a:t>
             </a:r>
             <a:r>
-              <a:rPr lang="it-IT" sz="3500" dirty="0"/>
+              <a:rPr lang="it-IT" sz="3500" dirty="0">
+                <a:latin typeface="Calibri" panose="020F0502020204030204" pitchFamily="34" charset="0"/>
+              </a:rPr>
               <a:t>, </a:t>
             </a:r>
             <a:r>
-              <a:rPr lang="it-IT" sz="3500" dirty="0" err="1"/>
+              <a:rPr lang="it-IT" sz="3500" dirty="0" err="1">
+                <a:latin typeface="Calibri" panose="020F0502020204030204" pitchFamily="34" charset="0"/>
+              </a:rPr>
               <a:t>who</a:t>
             </a:r>
             <a:r>
-              <a:rPr lang="it-IT" sz="3500" dirty="0"/>
+              <a:rPr lang="it-IT" sz="3500" dirty="0">
+                <a:latin typeface="Calibri" panose="020F0502020204030204" pitchFamily="34" charset="0"/>
+              </a:rPr>
               <a:t> can </a:t>
             </a:r>
             <a:r>
-              <a:rPr lang="it-IT" sz="3500" dirty="0" err="1"/>
+              <a:rPr lang="it-IT" sz="3500" dirty="0" err="1">
+                <a:latin typeface="Calibri" panose="020F0502020204030204" pitchFamily="34" charset="0"/>
+              </a:rPr>
               <a:t>provide</a:t>
             </a:r>
             <a:r>
-              <a:rPr lang="it-IT" sz="3500" dirty="0"/>
+              <a:rPr lang="it-IT" sz="3500" dirty="0">
+                <a:latin typeface="Calibri" panose="020F0502020204030204" pitchFamily="34" charset="0"/>
+              </a:rPr>
               <a:t> to </a:t>
             </a:r>
             <a:r>
-              <a:rPr lang="it-IT" sz="3500" dirty="0" err="1"/>
+              <a:rPr lang="it-IT" sz="3500" dirty="0" err="1">
+                <a:latin typeface="Calibri" panose="020F0502020204030204" pitchFamily="34" charset="0"/>
+              </a:rPr>
               <a:t>suitable</a:t>
             </a:r>
             <a:r>
-              <a:rPr lang="it-IT" sz="3500" dirty="0"/>
+              <a:rPr lang="it-IT" sz="3500" dirty="0">
+                <a:latin typeface="Calibri" panose="020F0502020204030204" pitchFamily="34" charset="0"/>
+              </a:rPr>
               <a:t> </a:t>
             </a:r>
             <a:r>
-              <a:rPr lang="it-IT" sz="3500" dirty="0" err="1"/>
+              <a:rPr lang="it-IT" sz="3500" dirty="0" err="1">
+                <a:latin typeface="Calibri" panose="020F0502020204030204" pitchFamily="34" charset="0"/>
+              </a:rPr>
               <a:t>regulations</a:t>
             </a:r>
             <a:r>
-              <a:rPr lang="it-IT" sz="3500" dirty="0"/>
+              <a:rPr lang="it-IT" sz="3500" dirty="0">
+                <a:latin typeface="Calibri" panose="020F0502020204030204" pitchFamily="34" charset="0"/>
+              </a:rPr>
               <a:t> in </a:t>
             </a:r>
             <a:r>
-              <a:rPr lang="it-IT" sz="3500" dirty="0" err="1"/>
+              <a:rPr lang="it-IT" sz="3500" dirty="0" err="1">
+                <a:latin typeface="Calibri" panose="020F0502020204030204" pitchFamily="34" charset="0"/>
+              </a:rPr>
               <a:t>order</a:t>
             </a:r>
             <a:r>
-              <a:rPr lang="it-IT" sz="3500" dirty="0"/>
+              <a:rPr lang="it-IT" sz="3500" dirty="0">
+                <a:latin typeface="Calibri" panose="020F0502020204030204" pitchFamily="34" charset="0"/>
+              </a:rPr>
               <a:t> to </a:t>
             </a:r>
             <a:r>
-              <a:rPr lang="it-IT" sz="3500" dirty="0" err="1"/>
+              <a:rPr lang="it-IT" sz="3500" dirty="0" err="1">
+                <a:latin typeface="Calibri" panose="020F0502020204030204" pitchFamily="34" charset="0"/>
+              </a:rPr>
               <a:t>make</a:t>
             </a:r>
             <a:r>
-              <a:rPr lang="it-IT" sz="3500" dirty="0"/>
+              <a:rPr lang="it-IT" sz="3500" dirty="0">
+                <a:latin typeface="Calibri" panose="020F0502020204030204" pitchFamily="34" charset="0"/>
+              </a:rPr>
               <a:t> the </a:t>
             </a:r>
             <a:r>
-              <a:rPr lang="it-IT" sz="3500" dirty="0" err="1"/>
+              <a:rPr lang="it-IT" sz="3500" dirty="0" err="1">
+                <a:latin typeface="Calibri" panose="020F0502020204030204" pitchFamily="34" charset="0"/>
+              </a:rPr>
               <a:t>device</a:t>
             </a:r>
             <a:r>
-              <a:rPr lang="it-IT" sz="3500" dirty="0"/>
+              <a:rPr lang="it-IT" sz="3500" dirty="0">
+                <a:latin typeface="Calibri" panose="020F0502020204030204" pitchFamily="34" charset="0"/>
+              </a:rPr>
               <a:t> </a:t>
             </a:r>
             <a:r>
-              <a:rPr lang="it-IT" sz="3500" dirty="0" err="1"/>
+              <a:rPr lang="it-IT" sz="3500" dirty="0" err="1">
+                <a:latin typeface="Calibri" panose="020F0502020204030204" pitchFamily="34" charset="0"/>
+              </a:rPr>
               <a:t>act</a:t>
             </a:r>
             <a:r>
-              <a:rPr lang="it-IT" sz="3500" dirty="0"/>
+              <a:rPr lang="it-IT" sz="3500" dirty="0">
+                <a:latin typeface="Calibri" panose="020F0502020204030204" pitchFamily="34" charset="0"/>
+              </a:rPr>
               <a:t> </a:t>
             </a:r>
             <a:r>
-              <a:rPr lang="it-IT" sz="3500" dirty="0" err="1"/>
+              <a:rPr lang="it-IT" sz="3500" dirty="0" err="1">
+                <a:latin typeface="Calibri" panose="020F0502020204030204" pitchFamily="34" charset="0"/>
+              </a:rPr>
               <a:t>as</a:t>
             </a:r>
             <a:r>
-              <a:rPr lang="it-IT" sz="3500" dirty="0"/>
+              <a:rPr lang="it-IT" sz="3500" dirty="0">
+                <a:latin typeface="Calibri" panose="020F0502020204030204" pitchFamily="34" charset="0"/>
+              </a:rPr>
               <a:t> </a:t>
             </a:r>
             <a:r>
-              <a:rPr lang="it-IT" sz="3500" dirty="0" err="1"/>
+              <a:rPr lang="it-IT" sz="3500" dirty="0" err="1">
+                <a:latin typeface="Calibri" panose="020F0502020204030204" pitchFamily="34" charset="0"/>
+              </a:rPr>
               <a:t>it</a:t>
             </a:r>
             <a:r>
-              <a:rPr lang="it-IT" sz="3500" dirty="0"/>
+              <a:rPr lang="it-IT" sz="3500" dirty="0">
+                <a:latin typeface="Calibri" panose="020F0502020204030204" pitchFamily="34" charset="0"/>
+              </a:rPr>
               <a:t> </a:t>
             </a:r>
             <a:r>
-              <a:rPr lang="it-IT" sz="3500" dirty="0" err="1"/>
+              <a:rPr lang="it-IT" sz="3500" dirty="0" err="1">
+                <a:latin typeface="Calibri" panose="020F0502020204030204" pitchFamily="34" charset="0"/>
+              </a:rPr>
               <a:t>most</a:t>
             </a:r>
             <a:r>
-              <a:rPr lang="it-IT" sz="3500" dirty="0"/>
+              <a:rPr lang="it-IT" sz="3500" dirty="0">
+                <a:latin typeface="Calibri" panose="020F0502020204030204" pitchFamily="34" charset="0"/>
+              </a:rPr>
               <a:t> </a:t>
             </a:r>
             <a:r>
-              <a:rPr lang="it-IT" sz="3500" dirty="0" err="1"/>
+              <a:rPr lang="it-IT" sz="3500" dirty="0" err="1">
+                <a:latin typeface="Calibri" panose="020F0502020204030204" pitchFamily="34" charset="0"/>
+              </a:rPr>
               <a:t>pleases</a:t>
             </a:r>
             <a:r>
-              <a:rPr lang="it-IT" sz="3500" dirty="0"/>
+              <a:rPr lang="it-IT" sz="3500" dirty="0">
+                <a:latin typeface="Calibri" panose="020F0502020204030204" pitchFamily="34" charset="0"/>
+              </a:rPr>
               <a:t> </a:t>
             </a:r>
             <a:r>
-              <a:rPr lang="it-IT" sz="3500" dirty="0" err="1"/>
+              <a:rPr lang="it-IT" sz="3500" dirty="0" err="1">
+                <a:latin typeface="Calibri" panose="020F0502020204030204" pitchFamily="34" charset="0"/>
+              </a:rPr>
               <a:t>him</a:t>
             </a:r>
             <a:r>
-              <a:rPr lang="it-IT" sz="3500" dirty="0"/>
+              <a:rPr lang="it-IT" sz="3500" dirty="0">
+                <a:latin typeface="Calibri" panose="020F0502020204030204" pitchFamily="34" charset="0"/>
+              </a:rPr>
               <a:t>.</a:t>
             </a:r>
           </a:p>
@@ -6131,434 +6340,650 @@
               <a:buNone/>
             </a:pPr>
             <a:r>
-              <a:rPr lang="it-IT" sz="3500" dirty="0" smtClean="0"/>
+              <a:rPr lang="it-IT" sz="3500" dirty="0" smtClean="0">
+                <a:latin typeface="Calibri" panose="020F0502020204030204" pitchFamily="34" charset="0"/>
+              </a:rPr>
               <a:t>On </a:t>
             </a:r>
             <a:r>
-              <a:rPr lang="it-IT" sz="3500" dirty="0"/>
+              <a:rPr lang="it-IT" sz="3500" dirty="0">
+                <a:latin typeface="Calibri" panose="020F0502020204030204" pitchFamily="34" charset="0"/>
+              </a:rPr>
               <a:t>the </a:t>
             </a:r>
             <a:r>
-              <a:rPr lang="it-IT" sz="3500" dirty="0" err="1"/>
+              <a:rPr lang="it-IT" sz="3500" dirty="0" err="1">
+                <a:latin typeface="Calibri" panose="020F0502020204030204" pitchFamily="34" charset="0"/>
+              </a:rPr>
               <a:t>other</a:t>
             </a:r>
             <a:r>
-              <a:rPr lang="it-IT" sz="3500" dirty="0"/>
+              <a:rPr lang="it-IT" sz="3500" dirty="0">
+                <a:latin typeface="Calibri" panose="020F0502020204030204" pitchFamily="34" charset="0"/>
+              </a:rPr>
               <a:t> </a:t>
             </a:r>
             <a:r>
-              <a:rPr lang="it-IT" sz="3500" dirty="0" err="1"/>
+              <a:rPr lang="it-IT" sz="3500" dirty="0" err="1">
+                <a:latin typeface="Calibri" panose="020F0502020204030204" pitchFamily="34" charset="0"/>
+              </a:rPr>
               <a:t>hand</a:t>
             </a:r>
             <a:r>
-              <a:rPr lang="it-IT" sz="3500" dirty="0"/>
+              <a:rPr lang="it-IT" sz="3500" dirty="0">
+                <a:latin typeface="Calibri" panose="020F0502020204030204" pitchFamily="34" charset="0"/>
+              </a:rPr>
               <a:t>, </a:t>
             </a:r>
             <a:r>
-              <a:rPr lang="it-IT" sz="3500" dirty="0" err="1"/>
+              <a:rPr lang="it-IT" sz="3500" dirty="0" err="1">
+                <a:latin typeface="Calibri" panose="020F0502020204030204" pitchFamily="34" charset="0"/>
+              </a:rPr>
               <a:t>FtB</a:t>
             </a:r>
             <a:r>
-              <a:rPr lang="it-IT" sz="3500" dirty="0"/>
+              <a:rPr lang="it-IT" sz="3500" dirty="0">
+                <a:latin typeface="Calibri" panose="020F0502020204030204" pitchFamily="34" charset="0"/>
+              </a:rPr>
               <a:t> </a:t>
             </a:r>
             <a:r>
-              <a:rPr lang="it-IT" sz="3500" dirty="0" err="1"/>
+              <a:rPr lang="it-IT" sz="3500" dirty="0" err="1">
+                <a:latin typeface="Calibri" panose="020F0502020204030204" pitchFamily="34" charset="0"/>
+              </a:rPr>
               <a:t>wants</a:t>
             </a:r>
             <a:r>
-              <a:rPr lang="it-IT" sz="3500" dirty="0"/>
+              <a:rPr lang="it-IT" sz="3500" dirty="0">
+                <a:latin typeface="Calibri" panose="020F0502020204030204" pitchFamily="34" charset="0"/>
+              </a:rPr>
               <a:t> to be a </a:t>
             </a:r>
             <a:r>
-              <a:rPr lang="it-IT" sz="3500" dirty="0" err="1"/>
+              <a:rPr lang="it-IT" sz="3500" dirty="0" err="1">
+                <a:latin typeface="Calibri" panose="020F0502020204030204" pitchFamily="34" charset="0"/>
+              </a:rPr>
               <a:t>smart</a:t>
             </a:r>
             <a:r>
-              <a:rPr lang="it-IT" sz="3500" dirty="0"/>
+              <a:rPr lang="it-IT" sz="3500" dirty="0">
+                <a:latin typeface="Calibri" panose="020F0502020204030204" pitchFamily="34" charset="0"/>
+              </a:rPr>
               <a:t> </a:t>
             </a:r>
             <a:r>
-              <a:rPr lang="it-IT" sz="3500" dirty="0" err="1"/>
+              <a:rPr lang="it-IT" sz="3500" dirty="0" err="1">
+                <a:latin typeface="Calibri" panose="020F0502020204030204" pitchFamily="34" charset="0"/>
+              </a:rPr>
               <a:t>device</a:t>
             </a:r>
             <a:r>
-              <a:rPr lang="it-IT" sz="3500" dirty="0"/>
+              <a:rPr lang="it-IT" sz="3500" dirty="0">
+                <a:latin typeface="Calibri" panose="020F0502020204030204" pitchFamily="34" charset="0"/>
+              </a:rPr>
               <a:t>, </a:t>
             </a:r>
             <a:r>
-              <a:rPr lang="it-IT" sz="3500" dirty="0" err="1"/>
+              <a:rPr lang="it-IT" sz="3500" dirty="0" err="1">
+                <a:latin typeface="Calibri" panose="020F0502020204030204" pitchFamily="34" charset="0"/>
+              </a:rPr>
               <a:t>not</a:t>
             </a:r>
             <a:r>
-              <a:rPr lang="it-IT" sz="3500" dirty="0"/>
+              <a:rPr lang="it-IT" sz="3500" dirty="0">
+                <a:latin typeface="Calibri" panose="020F0502020204030204" pitchFamily="34" charset="0"/>
+              </a:rPr>
               <a:t> </a:t>
             </a:r>
             <a:r>
-              <a:rPr lang="it-IT" sz="3500" dirty="0" err="1"/>
+              <a:rPr lang="it-IT" sz="3500" dirty="0" err="1">
+                <a:latin typeface="Calibri" panose="020F0502020204030204" pitchFamily="34" charset="0"/>
+              </a:rPr>
               <a:t>simply</a:t>
             </a:r>
             <a:r>
-              <a:rPr lang="it-IT" sz="3500" dirty="0"/>
+              <a:rPr lang="it-IT" sz="3500" dirty="0">
+                <a:latin typeface="Calibri" panose="020F0502020204030204" pitchFamily="34" charset="0"/>
+              </a:rPr>
               <a:t> an </a:t>
             </a:r>
             <a:r>
-              <a:rPr lang="it-IT" sz="3500" dirty="0" err="1"/>
+              <a:rPr lang="it-IT" sz="3500" dirty="0" err="1">
+                <a:latin typeface="Calibri" panose="020F0502020204030204" pitchFamily="34" charset="0"/>
+              </a:rPr>
               <a:t>automatic</a:t>
             </a:r>
             <a:r>
-              <a:rPr lang="it-IT" sz="3500" dirty="0"/>
+              <a:rPr lang="it-IT" sz="3500" dirty="0">
+                <a:latin typeface="Calibri" panose="020F0502020204030204" pitchFamily="34" charset="0"/>
+              </a:rPr>
               <a:t> </a:t>
             </a:r>
             <a:r>
-              <a:rPr lang="it-IT" sz="3500" dirty="0" err="1"/>
+              <a:rPr lang="it-IT" sz="3500" dirty="0" err="1">
+                <a:latin typeface="Calibri" panose="020F0502020204030204" pitchFamily="34" charset="0"/>
+              </a:rPr>
               <a:t>device</a:t>
             </a:r>
             <a:r>
-              <a:rPr lang="it-IT" sz="3500" dirty="0"/>
+              <a:rPr lang="it-IT" sz="3500" dirty="0">
+                <a:latin typeface="Calibri" panose="020F0502020204030204" pitchFamily="34" charset="0"/>
+              </a:rPr>
               <a:t>: </a:t>
             </a:r>
             <a:r>
-              <a:rPr lang="it-IT" sz="3500" dirty="0" err="1"/>
+              <a:rPr lang="it-IT" sz="3500" dirty="0" err="1">
+                <a:latin typeface="Calibri" panose="020F0502020204030204" pitchFamily="34" charset="0"/>
+              </a:rPr>
               <a:t>it</a:t>
             </a:r>
             <a:r>
-              <a:rPr lang="it-IT" sz="3500" dirty="0"/>
+              <a:rPr lang="it-IT" sz="3500" dirty="0">
+                <a:latin typeface="Calibri" panose="020F0502020204030204" pitchFamily="34" charset="0"/>
+              </a:rPr>
               <a:t> </a:t>
             </a:r>
             <a:r>
-              <a:rPr lang="it-IT" sz="3500" dirty="0" err="1"/>
+              <a:rPr lang="it-IT" sz="3500" dirty="0" err="1">
+                <a:latin typeface="Calibri" panose="020F0502020204030204" pitchFamily="34" charset="0"/>
+              </a:rPr>
               <a:t>will</a:t>
             </a:r>
             <a:r>
-              <a:rPr lang="it-IT" sz="3500" dirty="0"/>
+              <a:rPr lang="it-IT" sz="3500" dirty="0">
+                <a:latin typeface="Calibri" panose="020F0502020204030204" pitchFamily="34" charset="0"/>
+              </a:rPr>
               <a:t> </a:t>
             </a:r>
             <a:r>
-              <a:rPr lang="it-IT" sz="3500" dirty="0" err="1"/>
+              <a:rPr lang="it-IT" sz="3500" dirty="0" err="1">
+                <a:latin typeface="Calibri" panose="020F0502020204030204" pitchFamily="34" charset="0"/>
+              </a:rPr>
               <a:t>analyze</a:t>
             </a:r>
             <a:r>
-              <a:rPr lang="it-IT" sz="3500" dirty="0"/>
+              <a:rPr lang="it-IT" sz="3500" dirty="0">
+                <a:latin typeface="Calibri" panose="020F0502020204030204" pitchFamily="34" charset="0"/>
+              </a:rPr>
               <a:t> the </a:t>
             </a:r>
             <a:r>
-              <a:rPr lang="it-IT" sz="3500" dirty="0" err="1"/>
+              <a:rPr lang="it-IT" sz="3500" dirty="0" err="1">
+                <a:latin typeface="Calibri" panose="020F0502020204030204" pitchFamily="34" charset="0"/>
+              </a:rPr>
               <a:t>conditions</a:t>
             </a:r>
             <a:r>
-              <a:rPr lang="it-IT" sz="3500" dirty="0"/>
+              <a:rPr lang="it-IT" sz="3500" dirty="0">
+                <a:latin typeface="Calibri" panose="020F0502020204030204" pitchFamily="34" charset="0"/>
+              </a:rPr>
               <a:t> of the </a:t>
             </a:r>
             <a:r>
-              <a:rPr lang="it-IT" sz="3500" dirty="0" err="1"/>
+              <a:rPr lang="it-IT" sz="3500" dirty="0" err="1">
+                <a:latin typeface="Calibri" panose="020F0502020204030204" pitchFamily="34" charset="0"/>
+              </a:rPr>
               <a:t>environment</a:t>
             </a:r>
             <a:r>
-              <a:rPr lang="it-IT" sz="3500" dirty="0"/>
+              <a:rPr lang="it-IT" sz="3500" dirty="0">
+                <a:latin typeface="Calibri" panose="020F0502020204030204" pitchFamily="34" charset="0"/>
+              </a:rPr>
               <a:t> </a:t>
             </a:r>
             <a:r>
-              <a:rPr lang="it-IT" sz="3500" dirty="0" err="1"/>
+              <a:rPr lang="it-IT" sz="3500" dirty="0" err="1">
+                <a:latin typeface="Calibri" panose="020F0502020204030204" pitchFamily="34" charset="0"/>
+              </a:rPr>
               <a:t>where</a:t>
             </a:r>
             <a:r>
-              <a:rPr lang="it-IT" sz="3500" dirty="0"/>
+              <a:rPr lang="it-IT" sz="3500" dirty="0">
+                <a:latin typeface="Calibri" panose="020F0502020204030204" pitchFamily="34" charset="0"/>
+              </a:rPr>
               <a:t> </a:t>
             </a:r>
             <a:r>
-              <a:rPr lang="it-IT" sz="3500" dirty="0" err="1"/>
+              <a:rPr lang="it-IT" sz="3500" dirty="0" err="1">
+                <a:latin typeface="Calibri" panose="020F0502020204030204" pitchFamily="34" charset="0"/>
+              </a:rPr>
               <a:t>it</a:t>
             </a:r>
             <a:r>
-              <a:rPr lang="it-IT" sz="3500" dirty="0"/>
+              <a:rPr lang="it-IT" sz="3500" dirty="0">
+                <a:latin typeface="Calibri" panose="020F0502020204030204" pitchFamily="34" charset="0"/>
+              </a:rPr>
               <a:t> </a:t>
             </a:r>
             <a:r>
-              <a:rPr lang="it-IT" sz="3500" dirty="0" err="1"/>
+              <a:rPr lang="it-IT" sz="3500" dirty="0" err="1">
+                <a:latin typeface="Calibri" panose="020F0502020204030204" pitchFamily="34" charset="0"/>
+              </a:rPr>
               <a:t>is</a:t>
             </a:r>
             <a:r>
-              <a:rPr lang="it-IT" sz="3500" dirty="0"/>
+              <a:rPr lang="it-IT" sz="3500" dirty="0">
+                <a:latin typeface="Calibri" panose="020F0502020204030204" pitchFamily="34" charset="0"/>
+              </a:rPr>
               <a:t> </a:t>
             </a:r>
             <a:r>
-              <a:rPr lang="it-IT" sz="3500" dirty="0" err="1"/>
+              <a:rPr lang="it-IT" sz="3500" dirty="0" err="1">
+                <a:latin typeface="Calibri" panose="020F0502020204030204" pitchFamily="34" charset="0"/>
+              </a:rPr>
               <a:t>placed</a:t>
             </a:r>
             <a:r>
-              <a:rPr lang="it-IT" sz="3500" dirty="0"/>
+              <a:rPr lang="it-IT" sz="3500" dirty="0">
+                <a:latin typeface="Calibri" panose="020F0502020204030204" pitchFamily="34" charset="0"/>
+              </a:rPr>
               <a:t> in a </a:t>
             </a:r>
             <a:r>
-              <a:rPr lang="it-IT" sz="3500" dirty="0" err="1"/>
+              <a:rPr lang="it-IT" sz="3500" dirty="0" err="1">
+                <a:latin typeface="Calibri" panose="020F0502020204030204" pitchFamily="34" charset="0"/>
+              </a:rPr>
               <a:t>crytical</a:t>
             </a:r>
             <a:r>
-              <a:rPr lang="it-IT" sz="3500" dirty="0"/>
+              <a:rPr lang="it-IT" sz="3500" dirty="0">
+                <a:latin typeface="Calibri" panose="020F0502020204030204" pitchFamily="34" charset="0"/>
+              </a:rPr>
               <a:t> way, in </a:t>
             </a:r>
             <a:r>
-              <a:rPr lang="it-IT" sz="3500" dirty="0" err="1"/>
+              <a:rPr lang="it-IT" sz="3500" dirty="0" err="1">
+                <a:latin typeface="Calibri" panose="020F0502020204030204" pitchFamily="34" charset="0"/>
+              </a:rPr>
               <a:t>order</a:t>
             </a:r>
             <a:r>
-              <a:rPr lang="it-IT" sz="3500" dirty="0"/>
+              <a:rPr lang="it-IT" sz="3500" dirty="0">
+                <a:latin typeface="Calibri" panose="020F0502020204030204" pitchFamily="34" charset="0"/>
+              </a:rPr>
               <a:t> to </a:t>
             </a:r>
             <a:r>
-              <a:rPr lang="it-IT" sz="3500" dirty="0" err="1"/>
+              <a:rPr lang="it-IT" sz="3500" dirty="0" err="1">
+                <a:latin typeface="Calibri" panose="020F0502020204030204" pitchFamily="34" charset="0"/>
+              </a:rPr>
               <a:t>avoid</a:t>
             </a:r>
             <a:r>
-              <a:rPr lang="it-IT" sz="3500" dirty="0"/>
+              <a:rPr lang="it-IT" sz="3500" dirty="0">
+                <a:latin typeface="Calibri" panose="020F0502020204030204" pitchFamily="34" charset="0"/>
+              </a:rPr>
               <a:t> </a:t>
             </a:r>
             <a:r>
-              <a:rPr lang="it-IT" sz="3500" dirty="0" err="1"/>
+              <a:rPr lang="it-IT" sz="3500" dirty="0" err="1">
+                <a:latin typeface="Calibri" panose="020F0502020204030204" pitchFamily="34" charset="0"/>
+              </a:rPr>
               <a:t>useless</a:t>
             </a:r>
             <a:r>
-              <a:rPr lang="it-IT" sz="3500" dirty="0"/>
+              <a:rPr lang="it-IT" sz="3500" dirty="0">
+                <a:latin typeface="Calibri" panose="020F0502020204030204" pitchFamily="34" charset="0"/>
+              </a:rPr>
               <a:t> </a:t>
             </a:r>
             <a:r>
-              <a:rPr lang="it-IT" sz="3500" dirty="0" err="1"/>
+              <a:rPr lang="it-IT" sz="3500" dirty="0" err="1">
+                <a:latin typeface="Calibri" panose="020F0502020204030204" pitchFamily="34" charset="0"/>
+              </a:rPr>
               <a:t>actions</a:t>
             </a:r>
             <a:r>
-              <a:rPr lang="it-IT" sz="3500" dirty="0"/>
+              <a:rPr lang="it-IT" sz="3500" dirty="0">
+                <a:latin typeface="Calibri" panose="020F0502020204030204" pitchFamily="34" charset="0"/>
+              </a:rPr>
               <a:t>. To </a:t>
             </a:r>
             <a:r>
-              <a:rPr lang="it-IT" sz="3500" dirty="0" err="1"/>
+              <a:rPr lang="it-IT" sz="3500" dirty="0" err="1">
+                <a:latin typeface="Calibri" panose="020F0502020204030204" pitchFamily="34" charset="0"/>
+              </a:rPr>
               <a:t>make</a:t>
             </a:r>
             <a:r>
-              <a:rPr lang="it-IT" sz="3500" dirty="0"/>
+              <a:rPr lang="it-IT" sz="3500" dirty="0">
+                <a:latin typeface="Calibri" panose="020F0502020204030204" pitchFamily="34" charset="0"/>
+              </a:rPr>
               <a:t> </a:t>
             </a:r>
             <a:r>
-              <a:rPr lang="it-IT" sz="3500" dirty="0" err="1"/>
+              <a:rPr lang="it-IT" sz="3500" dirty="0" err="1">
+                <a:latin typeface="Calibri" panose="020F0502020204030204" pitchFamily="34" charset="0"/>
+              </a:rPr>
               <a:t>it</a:t>
             </a:r>
             <a:r>
-              <a:rPr lang="it-IT" sz="3500" dirty="0"/>
+              <a:rPr lang="it-IT" sz="3500" dirty="0">
+                <a:latin typeface="Calibri" panose="020F0502020204030204" pitchFamily="34" charset="0"/>
+              </a:rPr>
               <a:t> </a:t>
             </a:r>
             <a:r>
-              <a:rPr lang="it-IT" sz="3500" dirty="0" err="1"/>
+              <a:rPr lang="it-IT" sz="3500" dirty="0" err="1">
+                <a:latin typeface="Calibri" panose="020F0502020204030204" pitchFamily="34" charset="0"/>
+              </a:rPr>
               <a:t>clear</a:t>
             </a:r>
             <a:r>
-              <a:rPr lang="it-IT" sz="3500" dirty="0"/>
+              <a:rPr lang="it-IT" sz="3500" dirty="0">
+                <a:latin typeface="Calibri" panose="020F0502020204030204" pitchFamily="34" charset="0"/>
+              </a:rPr>
               <a:t> with an </a:t>
             </a:r>
             <a:r>
-              <a:rPr lang="it-IT" sz="3500" dirty="0" err="1"/>
+              <a:rPr lang="it-IT" sz="3500" dirty="0" err="1">
+                <a:latin typeface="Calibri" panose="020F0502020204030204" pitchFamily="34" charset="0"/>
+              </a:rPr>
               <a:t>example</a:t>
             </a:r>
             <a:r>
-              <a:rPr lang="it-IT" sz="3500" dirty="0"/>
+              <a:rPr lang="it-IT" sz="3500" dirty="0">
+                <a:latin typeface="Calibri" panose="020F0502020204030204" pitchFamily="34" charset="0"/>
+              </a:rPr>
               <a:t>: </a:t>
             </a:r>
             <a:r>
-              <a:rPr lang="it-IT" sz="3500" dirty="0" err="1"/>
+              <a:rPr lang="it-IT" sz="3500" dirty="0" err="1">
+                <a:latin typeface="Calibri" panose="020F0502020204030204" pitchFamily="34" charset="0"/>
+              </a:rPr>
               <a:t>if</a:t>
             </a:r>
             <a:r>
-              <a:rPr lang="it-IT" sz="3500" dirty="0"/>
+              <a:rPr lang="it-IT" sz="3500" dirty="0">
+                <a:latin typeface="Calibri" panose="020F0502020204030204" pitchFamily="34" charset="0"/>
+              </a:rPr>
               <a:t> </a:t>
             </a:r>
             <a:r>
-              <a:rPr lang="it-IT" sz="3500" dirty="0" err="1"/>
+              <a:rPr lang="it-IT" sz="3500" dirty="0" err="1">
+                <a:latin typeface="Calibri" panose="020F0502020204030204" pitchFamily="34" charset="0"/>
+              </a:rPr>
               <a:t>during</a:t>
             </a:r>
             <a:r>
-              <a:rPr lang="it-IT" sz="3500" dirty="0"/>
+              <a:rPr lang="it-IT" sz="3500" dirty="0">
+                <a:latin typeface="Calibri" panose="020F0502020204030204" pitchFamily="34" charset="0"/>
+              </a:rPr>
               <a:t> the </a:t>
             </a:r>
             <a:r>
-              <a:rPr lang="it-IT" sz="3500" dirty="0" err="1"/>
+              <a:rPr lang="it-IT" sz="3500" dirty="0" err="1">
+                <a:latin typeface="Calibri" panose="020F0502020204030204" pitchFamily="34" charset="0"/>
+              </a:rPr>
               <a:t>pollen</a:t>
             </a:r>
             <a:r>
-              <a:rPr lang="it-IT" sz="3500" dirty="0"/>
+              <a:rPr lang="it-IT" sz="3500" dirty="0">
+                <a:latin typeface="Calibri" panose="020F0502020204030204" pitchFamily="34" charset="0"/>
+              </a:rPr>
               <a:t> season a </a:t>
             </a:r>
             <a:r>
-              <a:rPr lang="it-IT" sz="3500" dirty="0" err="1"/>
+              <a:rPr lang="it-IT" sz="3500" dirty="0" err="1">
+                <a:latin typeface="Calibri" panose="020F0502020204030204" pitchFamily="34" charset="0"/>
+              </a:rPr>
               <a:t>window</a:t>
             </a:r>
             <a:r>
-              <a:rPr lang="it-IT" sz="3500" dirty="0"/>
+              <a:rPr lang="it-IT" sz="3500" dirty="0">
+                <a:latin typeface="Calibri" panose="020F0502020204030204" pitchFamily="34" charset="0"/>
+              </a:rPr>
               <a:t> </a:t>
             </a:r>
             <a:r>
-              <a:rPr lang="it-IT" sz="3500" dirty="0" err="1"/>
+              <a:rPr lang="it-IT" sz="3500" dirty="0" err="1">
+                <a:latin typeface="Calibri" panose="020F0502020204030204" pitchFamily="34" charset="0"/>
+              </a:rPr>
               <a:t>is</a:t>
             </a:r>
             <a:r>
-              <a:rPr lang="it-IT" sz="3500" dirty="0"/>
+              <a:rPr lang="it-IT" sz="3500" dirty="0">
+                <a:latin typeface="Calibri" panose="020F0502020204030204" pitchFamily="34" charset="0"/>
+              </a:rPr>
               <a:t> open </a:t>
             </a:r>
             <a:r>
-              <a:rPr lang="it-IT" sz="3500" dirty="0" err="1"/>
+              <a:rPr lang="it-IT" sz="3500" dirty="0" err="1">
+                <a:latin typeface="Calibri" panose="020F0502020204030204" pitchFamily="34" charset="0"/>
+              </a:rPr>
               <a:t>it</a:t>
             </a:r>
             <a:r>
-              <a:rPr lang="it-IT" sz="3500" dirty="0"/>
+              <a:rPr lang="it-IT" sz="3500" dirty="0">
+                <a:latin typeface="Calibri" panose="020F0502020204030204" pitchFamily="34" charset="0"/>
+              </a:rPr>
               <a:t> </a:t>
             </a:r>
             <a:r>
-              <a:rPr lang="it-IT" sz="3500" dirty="0" err="1"/>
+              <a:rPr lang="it-IT" sz="3500" dirty="0" err="1">
+                <a:latin typeface="Calibri" panose="020F0502020204030204" pitchFamily="34" charset="0"/>
+              </a:rPr>
               <a:t>will</a:t>
             </a:r>
             <a:r>
-              <a:rPr lang="it-IT" sz="3500" dirty="0"/>
+              <a:rPr lang="it-IT" sz="3500" dirty="0">
+                <a:latin typeface="Calibri" panose="020F0502020204030204" pitchFamily="34" charset="0"/>
+              </a:rPr>
               <a:t> be </a:t>
             </a:r>
             <a:r>
-              <a:rPr lang="it-IT" sz="3500" dirty="0" err="1"/>
+              <a:rPr lang="it-IT" sz="3500" dirty="0" err="1">
+                <a:latin typeface="Calibri" panose="020F0502020204030204" pitchFamily="34" charset="0"/>
+              </a:rPr>
               <a:t>useless</a:t>
             </a:r>
             <a:r>
-              <a:rPr lang="it-IT" sz="3500" dirty="0"/>
+              <a:rPr lang="it-IT" sz="3500" dirty="0">
+                <a:latin typeface="Calibri" panose="020F0502020204030204" pitchFamily="34" charset="0"/>
+              </a:rPr>
               <a:t> to </a:t>
             </a:r>
             <a:r>
-              <a:rPr lang="it-IT" sz="3500" dirty="0" err="1"/>
+              <a:rPr lang="it-IT" sz="3500" dirty="0" err="1">
+                <a:latin typeface="Calibri" panose="020F0502020204030204" pitchFamily="34" charset="0"/>
+              </a:rPr>
               <a:t>activate</a:t>
             </a:r>
             <a:r>
-              <a:rPr lang="it-IT" sz="3500" dirty="0"/>
+              <a:rPr lang="it-IT" sz="3500" dirty="0">
+                <a:latin typeface="Calibri" panose="020F0502020204030204" pitchFamily="34" charset="0"/>
+              </a:rPr>
               <a:t> a </a:t>
             </a:r>
             <a:r>
-              <a:rPr lang="it-IT" sz="3500" dirty="0" err="1"/>
+              <a:rPr lang="it-IT" sz="3500" dirty="0" err="1">
+                <a:latin typeface="Calibri" panose="020F0502020204030204" pitchFamily="34" charset="0"/>
+              </a:rPr>
               <a:t>system</a:t>
             </a:r>
             <a:r>
-              <a:rPr lang="it-IT" sz="3500" dirty="0"/>
+              <a:rPr lang="it-IT" sz="3500" dirty="0">
+                <a:latin typeface="Calibri" panose="020F0502020204030204" pitchFamily="34" charset="0"/>
+              </a:rPr>
               <a:t> of fans in </a:t>
             </a:r>
             <a:r>
-              <a:rPr lang="it-IT" sz="3500" dirty="0" err="1"/>
+              <a:rPr lang="it-IT" sz="3500" dirty="0" err="1">
+                <a:latin typeface="Calibri" panose="020F0502020204030204" pitchFamily="34" charset="0"/>
+              </a:rPr>
               <a:t>order</a:t>
             </a:r>
             <a:r>
-              <a:rPr lang="it-IT" sz="3500" dirty="0"/>
+              <a:rPr lang="it-IT" sz="3500" dirty="0">
+                <a:latin typeface="Calibri" panose="020F0502020204030204" pitchFamily="34" charset="0"/>
+              </a:rPr>
               <a:t> to </a:t>
             </a:r>
             <a:r>
-              <a:rPr lang="it-IT" sz="3500" dirty="0" err="1"/>
+              <a:rPr lang="it-IT" sz="3500" dirty="0" err="1">
+                <a:latin typeface="Calibri" panose="020F0502020204030204" pitchFamily="34" charset="0"/>
+              </a:rPr>
               <a:t>recyle</a:t>
             </a:r>
             <a:r>
-              <a:rPr lang="it-IT" sz="3500" dirty="0"/>
+              <a:rPr lang="it-IT" sz="3500" dirty="0">
+                <a:latin typeface="Calibri" panose="020F0502020204030204" pitchFamily="34" charset="0"/>
+              </a:rPr>
               <a:t> the air, so </a:t>
             </a:r>
             <a:r>
-              <a:rPr lang="it-IT" sz="3500" dirty="0" err="1"/>
+              <a:rPr lang="it-IT" sz="3500" dirty="0" err="1">
+                <a:latin typeface="Calibri" panose="020F0502020204030204" pitchFamily="34" charset="0"/>
+              </a:rPr>
               <a:t>FtB</a:t>
             </a:r>
             <a:r>
-              <a:rPr lang="it-IT" sz="3500" dirty="0"/>
+              <a:rPr lang="it-IT" sz="3500" dirty="0">
+                <a:latin typeface="Calibri" panose="020F0502020204030204" pitchFamily="34" charset="0"/>
+              </a:rPr>
               <a:t> </a:t>
             </a:r>
             <a:r>
-              <a:rPr lang="it-IT" sz="3500" dirty="0" err="1"/>
+              <a:rPr lang="it-IT" sz="3500" dirty="0" err="1">
+                <a:latin typeface="Calibri" panose="020F0502020204030204" pitchFamily="34" charset="0"/>
+              </a:rPr>
               <a:t>won’t</a:t>
             </a:r>
             <a:r>
-              <a:rPr lang="it-IT" sz="3500" dirty="0"/>
+              <a:rPr lang="it-IT" sz="3500" dirty="0">
+                <a:latin typeface="Calibri" panose="020F0502020204030204" pitchFamily="34" charset="0"/>
+              </a:rPr>
               <a:t> do </a:t>
             </a:r>
             <a:r>
-              <a:rPr lang="it-IT" sz="3500" dirty="0" err="1"/>
+              <a:rPr lang="it-IT" sz="3500" dirty="0" err="1">
+                <a:latin typeface="Calibri" panose="020F0502020204030204" pitchFamily="34" charset="0"/>
+              </a:rPr>
               <a:t>it</a:t>
             </a:r>
             <a:r>
-              <a:rPr lang="it-IT" sz="3500" dirty="0"/>
+              <a:rPr lang="it-IT" sz="3500" dirty="0">
+                <a:latin typeface="Calibri" panose="020F0502020204030204" pitchFamily="34" charset="0"/>
+              </a:rPr>
               <a:t>, on the </a:t>
             </a:r>
             <a:r>
-              <a:rPr lang="it-IT" sz="3500" dirty="0" err="1"/>
+              <a:rPr lang="it-IT" sz="3500" dirty="0" err="1">
+                <a:latin typeface="Calibri" panose="020F0502020204030204" pitchFamily="34" charset="0"/>
+              </a:rPr>
               <a:t>contary</a:t>
             </a:r>
             <a:r>
-              <a:rPr lang="it-IT" sz="3500" dirty="0"/>
+              <a:rPr lang="it-IT" sz="3500" dirty="0">
+                <a:latin typeface="Calibri" panose="020F0502020204030204" pitchFamily="34" charset="0"/>
+              </a:rPr>
               <a:t> </a:t>
             </a:r>
             <a:r>
-              <a:rPr lang="it-IT" sz="3500" dirty="0" err="1"/>
+              <a:rPr lang="it-IT" sz="3500" dirty="0" err="1">
+                <a:latin typeface="Calibri" panose="020F0502020204030204" pitchFamily="34" charset="0"/>
+              </a:rPr>
               <a:t>it</a:t>
             </a:r>
             <a:r>
-              <a:rPr lang="it-IT" sz="3500" dirty="0"/>
+              <a:rPr lang="it-IT" sz="3500" dirty="0">
+                <a:latin typeface="Calibri" panose="020F0502020204030204" pitchFamily="34" charset="0"/>
+              </a:rPr>
               <a:t> </a:t>
             </a:r>
             <a:r>
-              <a:rPr lang="it-IT" sz="3500" dirty="0" err="1"/>
+              <a:rPr lang="it-IT" sz="3500" dirty="0" err="1">
+                <a:latin typeface="Calibri" panose="020F0502020204030204" pitchFamily="34" charset="0"/>
+              </a:rPr>
               <a:t>will</a:t>
             </a:r>
             <a:r>
-              <a:rPr lang="it-IT" sz="3500" dirty="0"/>
+              <a:rPr lang="it-IT" sz="3500" dirty="0">
+                <a:latin typeface="Calibri" panose="020F0502020204030204" pitchFamily="34" charset="0"/>
+              </a:rPr>
               <a:t> </a:t>
             </a:r>
             <a:r>
-              <a:rPr lang="it-IT" sz="3500" dirty="0" err="1"/>
+              <a:rPr lang="it-IT" sz="3500" dirty="0" err="1">
+                <a:latin typeface="Calibri" panose="020F0502020204030204" pitchFamily="34" charset="0"/>
+              </a:rPr>
               <a:t>inform</a:t>
             </a:r>
             <a:r>
-              <a:rPr lang="it-IT" sz="3500" dirty="0"/>
+              <a:rPr lang="it-IT" sz="3500" dirty="0">
+                <a:latin typeface="Calibri" panose="020F0502020204030204" pitchFamily="34" charset="0"/>
+              </a:rPr>
               <a:t> </a:t>
             </a:r>
             <a:r>
-              <a:rPr lang="it-IT" sz="3500" dirty="0" err="1"/>
+              <a:rPr lang="it-IT" sz="3500" dirty="0" err="1">
+                <a:latin typeface="Calibri" panose="020F0502020204030204" pitchFamily="34" charset="0"/>
+              </a:rPr>
               <a:t>you</a:t>
             </a:r>
             <a:r>
-              <a:rPr lang="it-IT" sz="3500" dirty="0"/>
+              <a:rPr lang="it-IT" sz="3500" dirty="0">
+                <a:latin typeface="Calibri" panose="020F0502020204030204" pitchFamily="34" charset="0"/>
+              </a:rPr>
               <a:t> </a:t>
             </a:r>
             <a:r>
-              <a:rPr lang="it-IT" sz="3500" dirty="0" err="1"/>
+              <a:rPr lang="it-IT" sz="3500" dirty="0" err="1">
+                <a:latin typeface="Calibri" panose="020F0502020204030204" pitchFamily="34" charset="0"/>
+              </a:rPr>
               <a:t>that</a:t>
             </a:r>
             <a:r>
-              <a:rPr lang="it-IT" sz="3500" dirty="0"/>
+              <a:rPr lang="it-IT" sz="3500" dirty="0">
+                <a:latin typeface="Calibri" panose="020F0502020204030204" pitchFamily="34" charset="0"/>
+              </a:rPr>
               <a:t> </a:t>
             </a:r>
             <a:r>
-              <a:rPr lang="it-IT" sz="3500" dirty="0" err="1"/>
+              <a:rPr lang="it-IT" sz="3500" dirty="0" err="1">
+                <a:latin typeface="Calibri" panose="020F0502020204030204" pitchFamily="34" charset="0"/>
+              </a:rPr>
               <a:t>you’d</a:t>
             </a:r>
             <a:r>
-              <a:rPr lang="it-IT" sz="3500" dirty="0"/>
+              <a:rPr lang="it-IT" sz="3500" dirty="0">
+                <a:latin typeface="Calibri" panose="020F0502020204030204" pitchFamily="34" charset="0"/>
+              </a:rPr>
               <a:t> </a:t>
             </a:r>
             <a:r>
-              <a:rPr lang="it-IT" sz="3500" dirty="0" err="1"/>
+              <a:rPr lang="it-IT" sz="3500" dirty="0" err="1">
+                <a:latin typeface="Calibri" panose="020F0502020204030204" pitchFamily="34" charset="0"/>
+              </a:rPr>
               <a:t>better</a:t>
             </a:r>
             <a:r>
-              <a:rPr lang="it-IT" sz="3500" dirty="0"/>
+              <a:rPr lang="it-IT" sz="3500" dirty="0">
+                <a:latin typeface="Calibri" panose="020F0502020204030204" pitchFamily="34" charset="0"/>
+              </a:rPr>
               <a:t> </a:t>
             </a:r>
             <a:r>
-              <a:rPr lang="it-IT" sz="3500" dirty="0" err="1"/>
+              <a:rPr lang="it-IT" sz="3500" dirty="0" err="1">
+                <a:latin typeface="Calibri" panose="020F0502020204030204" pitchFamily="34" charset="0"/>
+              </a:rPr>
               <a:t>close</a:t>
             </a:r>
             <a:r>
-              <a:rPr lang="it-IT" sz="3500" dirty="0"/>
+              <a:rPr lang="it-IT" sz="3500" dirty="0">
+                <a:latin typeface="Calibri" panose="020F0502020204030204" pitchFamily="34" charset="0"/>
+              </a:rPr>
               <a:t> </a:t>
             </a:r>
             <a:r>
-              <a:rPr lang="it-IT" sz="3500" dirty="0" err="1"/>
+              <a:rPr lang="it-IT" sz="3500" dirty="0" err="1">
+                <a:latin typeface="Calibri" panose="020F0502020204030204" pitchFamily="34" charset="0"/>
+              </a:rPr>
               <a:t>it!</a:t>
             </a:r>
-            <a:endParaRPr lang="en-GB" sz="3500" dirty="0"/>
+            <a:endParaRPr lang="en-GB" sz="3500" dirty="0">
+              <a:latin typeface="Calibri" panose="020F0502020204030204" pitchFamily="34" charset="0"/>
+            </a:endParaRPr>
           </a:p>
           <a:p>
             <a:endParaRPr dirty="0"/>
